--- a/Drafts & Material/IDM Models + Notes.pptx
+++ b/Drafts & Material/IDM Models + Notes.pptx
@@ -5,7 +5,7 @@
     <p:sldMasterId id="2147483648" r:id="rId1"/>
   </p:sldMasterIdLst>
   <p:notesMasterIdLst>
-    <p:notesMasterId r:id="rId14"/>
+    <p:notesMasterId r:id="rId15"/>
   </p:notesMasterIdLst>
   <p:sldIdLst>
     <p:sldId id="268" r:id="rId2"/>
@@ -18,8 +18,9 @@
     <p:sldId id="262" r:id="rId9"/>
     <p:sldId id="266" r:id="rId10"/>
     <p:sldId id="267" r:id="rId11"/>
-    <p:sldId id="270" r:id="rId12"/>
-    <p:sldId id="271" r:id="rId13"/>
+    <p:sldId id="272" r:id="rId12"/>
+    <p:sldId id="270" r:id="rId13"/>
+    <p:sldId id="271" r:id="rId14"/>
   </p:sldIdLst>
   <p:sldSz cx="12192000" cy="6858000"/>
   <p:notesSz cx="6858000" cy="9144000"/>
@@ -3662,12 +3663,6 @@
               </a:rPr>
               <a:t>)</a:t>
             </a:r>
-            <a:endParaRPr lang="it-IT" sz="1600" i="1" dirty="0" smtClean="0">
-              <a:solidFill>
-                <a:srgbClr val="870CA8"/>
-              </a:solidFill>
-              <a:latin typeface="Cambria" panose="02040503050406030204" pitchFamily="18" charset="0"/>
-            </a:endParaRPr>
           </a:p>
           <a:p>
             <a:r>
@@ -3943,6 +3938,287 @@
       </p:grpSpPr>
       <p:sp>
         <p:nvSpPr>
+          <p:cNvPr id="4" name="Segnaposto contenuto 4"/>
+          <p:cNvSpPr txBox="1">
+            <a:spLocks/>
+          </p:cNvSpPr>
+          <p:nvPr/>
+        </p:nvSpPr>
+        <p:spPr>
+          <a:xfrm>
+            <a:off x="681446" y="452846"/>
+            <a:ext cx="8384177" cy="801188"/>
+          </a:xfrm>
+          <a:prstGeom prst="rect">
+            <a:avLst/>
+          </a:prstGeom>
+        </p:spPr>
+        <p:txBody>
+          <a:bodyPr vert="horz" lIns="91440" tIns="45720" rIns="91440" bIns="45720" rtlCol="0">
+            <a:normAutofit/>
+          </a:bodyPr>
+          <a:lstStyle>
+            <a:lvl1pPr marL="228600" indent="-228600" algn="l" defTabSz="914400" rtl="0" eaLnBrk="1" latinLnBrk="0" hangingPunct="1">
+              <a:lnSpc>
+                <a:spcPct val="90000"/>
+              </a:lnSpc>
+              <a:spcBef>
+                <a:spcPts val="1000"/>
+              </a:spcBef>
+              <a:buFont typeface="Arial" panose="020B0604020202020204" pitchFamily="34" charset="0"/>
+              <a:buChar char="•"/>
+              <a:defRPr sz="2800" kern="1200">
+                <a:solidFill>
+                  <a:schemeClr val="tx1"/>
+                </a:solidFill>
+                <a:latin typeface="+mn-lt"/>
+                <a:ea typeface="+mn-ea"/>
+                <a:cs typeface="+mn-cs"/>
+              </a:defRPr>
+            </a:lvl1pPr>
+            <a:lvl2pPr marL="685800" indent="-228600" algn="l" defTabSz="914400" rtl="0" eaLnBrk="1" latinLnBrk="0" hangingPunct="1">
+              <a:lnSpc>
+                <a:spcPct val="90000"/>
+              </a:lnSpc>
+              <a:spcBef>
+                <a:spcPts val="500"/>
+              </a:spcBef>
+              <a:buFont typeface="Arial" panose="020B0604020202020204" pitchFamily="34" charset="0"/>
+              <a:buChar char="•"/>
+              <a:defRPr sz="2400" kern="1200">
+                <a:solidFill>
+                  <a:schemeClr val="tx1"/>
+                </a:solidFill>
+                <a:latin typeface="+mn-lt"/>
+                <a:ea typeface="+mn-ea"/>
+                <a:cs typeface="+mn-cs"/>
+              </a:defRPr>
+            </a:lvl2pPr>
+            <a:lvl3pPr marL="1143000" indent="-228600" algn="l" defTabSz="914400" rtl="0" eaLnBrk="1" latinLnBrk="0" hangingPunct="1">
+              <a:lnSpc>
+                <a:spcPct val="90000"/>
+              </a:lnSpc>
+              <a:spcBef>
+                <a:spcPts val="500"/>
+              </a:spcBef>
+              <a:buFont typeface="Arial" panose="020B0604020202020204" pitchFamily="34" charset="0"/>
+              <a:buChar char="•"/>
+              <a:defRPr sz="2000" kern="1200">
+                <a:solidFill>
+                  <a:schemeClr val="tx1"/>
+                </a:solidFill>
+                <a:latin typeface="+mn-lt"/>
+                <a:ea typeface="+mn-ea"/>
+                <a:cs typeface="+mn-cs"/>
+              </a:defRPr>
+            </a:lvl3pPr>
+            <a:lvl4pPr marL="1600200" indent="-228600" algn="l" defTabSz="914400" rtl="0" eaLnBrk="1" latinLnBrk="0" hangingPunct="1">
+              <a:lnSpc>
+                <a:spcPct val="90000"/>
+              </a:lnSpc>
+              <a:spcBef>
+                <a:spcPts val="500"/>
+              </a:spcBef>
+              <a:buFont typeface="Arial" panose="020B0604020202020204" pitchFamily="34" charset="0"/>
+              <a:buChar char="•"/>
+              <a:defRPr sz="1800" kern="1200">
+                <a:solidFill>
+                  <a:schemeClr val="tx1"/>
+                </a:solidFill>
+                <a:latin typeface="+mn-lt"/>
+                <a:ea typeface="+mn-ea"/>
+                <a:cs typeface="+mn-cs"/>
+              </a:defRPr>
+            </a:lvl4pPr>
+            <a:lvl5pPr marL="2057400" indent="-228600" algn="l" defTabSz="914400" rtl="0" eaLnBrk="1" latinLnBrk="0" hangingPunct="1">
+              <a:lnSpc>
+                <a:spcPct val="90000"/>
+              </a:lnSpc>
+              <a:spcBef>
+                <a:spcPts val="500"/>
+              </a:spcBef>
+              <a:buFont typeface="Arial" panose="020B0604020202020204" pitchFamily="34" charset="0"/>
+              <a:buChar char="•"/>
+              <a:defRPr sz="1800" kern="1200">
+                <a:solidFill>
+                  <a:schemeClr val="tx1"/>
+                </a:solidFill>
+                <a:latin typeface="+mn-lt"/>
+                <a:ea typeface="+mn-ea"/>
+                <a:cs typeface="+mn-cs"/>
+              </a:defRPr>
+            </a:lvl5pPr>
+            <a:lvl6pPr marL="2514600" indent="-228600" algn="l" defTabSz="914400" rtl="0" eaLnBrk="1" latinLnBrk="0" hangingPunct="1">
+              <a:lnSpc>
+                <a:spcPct val="90000"/>
+              </a:lnSpc>
+              <a:spcBef>
+                <a:spcPts val="500"/>
+              </a:spcBef>
+              <a:buFont typeface="Arial" panose="020B0604020202020204" pitchFamily="34" charset="0"/>
+              <a:buChar char="•"/>
+              <a:defRPr sz="1800" kern="1200">
+                <a:solidFill>
+                  <a:schemeClr val="tx1"/>
+                </a:solidFill>
+                <a:latin typeface="+mn-lt"/>
+                <a:ea typeface="+mn-ea"/>
+                <a:cs typeface="+mn-cs"/>
+              </a:defRPr>
+            </a:lvl6pPr>
+            <a:lvl7pPr marL="2971800" indent="-228600" algn="l" defTabSz="914400" rtl="0" eaLnBrk="1" latinLnBrk="0" hangingPunct="1">
+              <a:lnSpc>
+                <a:spcPct val="90000"/>
+              </a:lnSpc>
+              <a:spcBef>
+                <a:spcPts val="500"/>
+              </a:spcBef>
+              <a:buFont typeface="Arial" panose="020B0604020202020204" pitchFamily="34" charset="0"/>
+              <a:buChar char="•"/>
+              <a:defRPr sz="1800" kern="1200">
+                <a:solidFill>
+                  <a:schemeClr val="tx1"/>
+                </a:solidFill>
+                <a:latin typeface="+mn-lt"/>
+                <a:ea typeface="+mn-ea"/>
+                <a:cs typeface="+mn-cs"/>
+              </a:defRPr>
+            </a:lvl7pPr>
+            <a:lvl8pPr marL="3429000" indent="-228600" algn="l" defTabSz="914400" rtl="0" eaLnBrk="1" latinLnBrk="0" hangingPunct="1">
+              <a:lnSpc>
+                <a:spcPct val="90000"/>
+              </a:lnSpc>
+              <a:spcBef>
+                <a:spcPts val="500"/>
+              </a:spcBef>
+              <a:buFont typeface="Arial" panose="020B0604020202020204" pitchFamily="34" charset="0"/>
+              <a:buChar char="•"/>
+              <a:defRPr sz="1800" kern="1200">
+                <a:solidFill>
+                  <a:schemeClr val="tx1"/>
+                </a:solidFill>
+                <a:latin typeface="+mn-lt"/>
+                <a:ea typeface="+mn-ea"/>
+                <a:cs typeface="+mn-cs"/>
+              </a:defRPr>
+            </a:lvl8pPr>
+            <a:lvl9pPr marL="3886200" indent="-228600" algn="l" defTabSz="914400" rtl="0" eaLnBrk="1" latinLnBrk="0" hangingPunct="1">
+              <a:lnSpc>
+                <a:spcPct val="90000"/>
+              </a:lnSpc>
+              <a:spcBef>
+                <a:spcPts val="500"/>
+              </a:spcBef>
+              <a:buFont typeface="Arial" panose="020B0604020202020204" pitchFamily="34" charset="0"/>
+              <a:buChar char="•"/>
+              <a:defRPr sz="1800" kern="1200">
+                <a:solidFill>
+                  <a:schemeClr val="tx1"/>
+                </a:solidFill>
+                <a:latin typeface="+mn-lt"/>
+                <a:ea typeface="+mn-ea"/>
+                <a:cs typeface="+mn-cs"/>
+              </a:defRPr>
+            </a:lvl9pPr>
+          </a:lstStyle>
+          <a:p>
+            <a:pPr marL="0" indent="0">
+              <a:buFont typeface="Arial" panose="020B0604020202020204" pitchFamily="34" charset="0"/>
+              <a:buNone/>
+            </a:pPr>
+            <a:r>
+              <a:rPr lang="it-IT" b="1" dirty="0" smtClean="0"/>
+              <a:t>General </a:t>
+            </a:r>
+            <a:r>
+              <a:rPr lang="it-IT" b="1" dirty="0" err="1" smtClean="0"/>
+              <a:t>structure</a:t>
+            </a:r>
+            <a:r>
+              <a:rPr lang="it-IT" b="1" dirty="0" smtClean="0"/>
+              <a:t> of the </a:t>
+            </a:r>
+            <a:r>
+              <a:rPr lang="it-IT" b="1" dirty="0" err="1" smtClean="0"/>
+              <a:t>mock</a:t>
+            </a:r>
+            <a:r>
+              <a:rPr lang="it-IT" b="1" dirty="0" smtClean="0"/>
+              <a:t>-up </a:t>
+            </a:r>
+            <a:r>
+              <a:rPr lang="it-IT" b="1" dirty="0" err="1" smtClean="0"/>
+              <a:t>pages</a:t>
+            </a:r>
+            <a:r>
+              <a:rPr lang="it-IT" b="1" dirty="0" smtClean="0"/>
+              <a:t>:</a:t>
+            </a:r>
+          </a:p>
+        </p:txBody>
+      </p:sp>
+      <p:pic>
+        <p:nvPicPr>
+          <p:cNvPr id="5" name="Immagine 4"/>
+          <p:cNvPicPr>
+            <a:picLocks noChangeAspect="1"/>
+          </p:cNvPicPr>
+          <p:nvPr/>
+        </p:nvPicPr>
+        <p:blipFill>
+          <a:blip r:embed="rId2">
+            <a:extLst>
+              <a:ext uri="{28A0092B-C50C-407E-A947-70E740481C1C}">
+                <a14:useLocalDpi xmlns:a14="http://schemas.microsoft.com/office/drawing/2010/main" val="0"/>
+              </a:ext>
+            </a:extLst>
+          </a:blip>
+          <a:stretch>
+            <a:fillRect/>
+          </a:stretch>
+        </p:blipFill>
+        <p:spPr>
+          <a:xfrm>
+            <a:off x="2275113" y="1147354"/>
+            <a:ext cx="7130144" cy="5347609"/>
+          </a:xfrm>
+          <a:prstGeom prst="rect">
+            <a:avLst/>
+          </a:prstGeom>
+        </p:spPr>
+      </p:pic>
+    </p:spTree>
+    <p:extLst>
+      <p:ext uri="{BB962C8B-B14F-4D97-AF65-F5344CB8AC3E}">
+        <p14:creationId xmlns:p14="http://schemas.microsoft.com/office/powerpoint/2010/main" val="2840493161"/>
+      </p:ext>
+    </p:extLst>
+  </p:cSld>
+  <p:clrMapOvr>
+    <a:masterClrMapping/>
+  </p:clrMapOvr>
+</p:sld>
+</file>
+
+<file path=ppt/slides/slide12.xml><?xml version="1.0" encoding="utf-8"?>
+<p:sld xmlns:a="http://schemas.openxmlformats.org/drawingml/2006/main" xmlns:r="http://schemas.openxmlformats.org/officeDocument/2006/relationships" xmlns:p="http://schemas.openxmlformats.org/presentationml/2006/main">
+  <p:cSld>
+    <p:spTree>
+      <p:nvGrpSpPr>
+        <p:cNvPr id="1" name=""/>
+        <p:cNvGrpSpPr/>
+        <p:nvPr/>
+      </p:nvGrpSpPr>
+      <p:grpSpPr>
+        <a:xfrm>
+          <a:off x="0" y="0"/>
+          <a:ext cx="0" cy="0"/>
+          <a:chOff x="0" y="0"/>
+          <a:chExt cx="0" cy="0"/>
+        </a:xfrm>
+      </p:grpSpPr>
+      <p:sp>
+        <p:nvSpPr>
           <p:cNvPr id="5" name="Segnaposto contenuto 4"/>
           <p:cNvSpPr>
             <a:spLocks noGrp="1"/>
@@ -4112,7 +4388,7 @@
 </p:sld>
 </file>
 
-<file path=ppt/slides/slide12.xml><?xml version="1.0" encoding="utf-8"?>
+<file path=ppt/slides/slide13.xml><?xml version="1.0" encoding="utf-8"?>
 <p:sld xmlns:a="http://schemas.openxmlformats.org/drawingml/2006/main" xmlns:r="http://schemas.openxmlformats.org/officeDocument/2006/relationships" xmlns:p="http://schemas.openxmlformats.org/presentationml/2006/main">
   <p:cSld>
     <p:spTree>

--- a/Drafts & Material/IDM Models + Notes.pptx
+++ b/Drafts & Material/IDM Models + Notes.pptx
@@ -1,26 +1,30 @@
 
 <file path=ppt/presentation.xml><?xml version="1.0" encoding="utf-8"?>
-<p:presentation xmlns:a="http://schemas.openxmlformats.org/drawingml/2006/main" xmlns:r="http://schemas.openxmlformats.org/officeDocument/2006/relationships" xmlns:p="http://schemas.openxmlformats.org/presentationml/2006/main" saveSubsetFonts="1">
+<p:presentation xmlns:a="http://schemas.openxmlformats.org/drawingml/2006/main" xmlns:r="http://schemas.openxmlformats.org/officeDocument/2006/relationships" xmlns:p="http://schemas.openxmlformats.org/presentationml/2006/main" showSpecialPlsOnTitleSld="0" saveSubsetFonts="1">
   <p:sldMasterIdLst>
     <p:sldMasterId id="2147483648" r:id="rId1"/>
   </p:sldMasterIdLst>
   <p:notesMasterIdLst>
-    <p:notesMasterId r:id="rId15"/>
+    <p:notesMasterId r:id="rId16"/>
   </p:notesMasterIdLst>
+  <p:handoutMasterIdLst>
+    <p:handoutMasterId r:id="rId17"/>
+  </p:handoutMasterIdLst>
   <p:sldIdLst>
     <p:sldId id="268" r:id="rId2"/>
-    <p:sldId id="269" r:id="rId3"/>
-    <p:sldId id="259" r:id="rId4"/>
-    <p:sldId id="263" r:id="rId5"/>
-    <p:sldId id="260" r:id="rId6"/>
-    <p:sldId id="265" r:id="rId7"/>
-    <p:sldId id="261" r:id="rId8"/>
-    <p:sldId id="262" r:id="rId9"/>
-    <p:sldId id="266" r:id="rId10"/>
-    <p:sldId id="267" r:id="rId11"/>
-    <p:sldId id="272" r:id="rId12"/>
-    <p:sldId id="270" r:id="rId13"/>
-    <p:sldId id="271" r:id="rId14"/>
+    <p:sldId id="273" r:id="rId3"/>
+    <p:sldId id="269" r:id="rId4"/>
+    <p:sldId id="259" r:id="rId5"/>
+    <p:sldId id="263" r:id="rId6"/>
+    <p:sldId id="260" r:id="rId7"/>
+    <p:sldId id="265" r:id="rId8"/>
+    <p:sldId id="261" r:id="rId9"/>
+    <p:sldId id="262" r:id="rId10"/>
+    <p:sldId id="266" r:id="rId11"/>
+    <p:sldId id="267" r:id="rId12"/>
+    <p:sldId id="272" r:id="rId13"/>
+    <p:sldId id="270" r:id="rId14"/>
+    <p:sldId id="271" r:id="rId15"/>
   </p:sldIdLst>
   <p:sldSz cx="12192000" cy="6858000"/>
   <p:notesSz cx="6858000" cy="9144000"/>
@@ -127,6 +131,176 @@
 </p:presentation>
 </file>
 
+<file path=ppt/handoutMasters/handoutMaster1.xml><?xml version="1.0" encoding="utf-8"?>
+<p:handoutMaster xmlns:a="http://schemas.openxmlformats.org/drawingml/2006/main" xmlns:r="http://schemas.openxmlformats.org/officeDocument/2006/relationships" xmlns:p="http://schemas.openxmlformats.org/presentationml/2006/main">
+  <p:cSld>
+    <p:bg>
+      <p:bgRef idx="1001">
+        <a:schemeClr val="bg1"/>
+      </p:bgRef>
+    </p:bg>
+    <p:spTree>
+      <p:nvGrpSpPr>
+        <p:cNvPr id="1" name=""/>
+        <p:cNvGrpSpPr/>
+        <p:nvPr/>
+      </p:nvGrpSpPr>
+      <p:grpSpPr>
+        <a:xfrm>
+          <a:off x="0" y="0"/>
+          <a:ext cx="0" cy="0"/>
+          <a:chOff x="0" y="0"/>
+          <a:chExt cx="0" cy="0"/>
+        </a:xfrm>
+      </p:grpSpPr>
+      <p:sp>
+        <p:nvSpPr>
+          <p:cNvPr id="2" name="Segnaposto intestazione 1"/>
+          <p:cNvSpPr>
+            <a:spLocks noGrp="1"/>
+          </p:cNvSpPr>
+          <p:nvPr>
+            <p:ph type="hdr" sz="quarter"/>
+          </p:nvPr>
+        </p:nvSpPr>
+        <p:spPr>
+          <a:xfrm>
+            <a:off x="0" y="0"/>
+            <a:ext cx="2971800" cy="458788"/>
+          </a:xfrm>
+          <a:prstGeom prst="rect">
+            <a:avLst/>
+          </a:prstGeom>
+        </p:spPr>
+        <p:txBody>
+          <a:bodyPr vert="horz" lIns="91440" tIns="45720" rIns="91440" bIns="45720" rtlCol="0"/>
+          <a:lstStyle>
+            <a:lvl1pPr algn="l">
+              <a:defRPr sz="1200"/>
+            </a:lvl1pPr>
+          </a:lstStyle>
+          <a:p>
+            <a:r>
+              <a:rPr lang="it-IT" smtClean="0"/>
+              <a:t>Alessandro Pozzi (852358), Marco Romani (852361)</a:t>
+            </a:r>
+            <a:endParaRPr lang="en-US"/>
+          </a:p>
+        </p:txBody>
+      </p:sp>
+      <p:sp>
+        <p:nvSpPr>
+          <p:cNvPr id="3" name="Segnaposto data 2"/>
+          <p:cNvSpPr>
+            <a:spLocks noGrp="1"/>
+          </p:cNvSpPr>
+          <p:nvPr>
+            <p:ph type="dt" sz="quarter" idx="1"/>
+          </p:nvPr>
+        </p:nvSpPr>
+        <p:spPr>
+          <a:xfrm>
+            <a:off x="3884613" y="0"/>
+            <a:ext cx="2971800" cy="458788"/>
+          </a:xfrm>
+          <a:prstGeom prst="rect">
+            <a:avLst/>
+          </a:prstGeom>
+        </p:spPr>
+        <p:txBody>
+          <a:bodyPr vert="horz" lIns="91440" tIns="45720" rIns="91440" bIns="45720" rtlCol="0"/>
+          <a:lstStyle>
+            <a:lvl1pPr algn="r">
+              <a:defRPr sz="1200"/>
+            </a:lvl1pPr>
+          </a:lstStyle>
+          <a:p>
+            <a:fld id="{F3E4C3D8-10AC-47C5-96A0-5C2FD4CD3722}" type="datetimeFigureOut">
+              <a:rPr lang="en-US" smtClean="0"/>
+              <a:t>5/13/2016</a:t>
+            </a:fld>
+            <a:endParaRPr lang="en-US"/>
+          </a:p>
+        </p:txBody>
+      </p:sp>
+      <p:sp>
+        <p:nvSpPr>
+          <p:cNvPr id="4" name="Segnaposto piè di pagina 3"/>
+          <p:cNvSpPr>
+            <a:spLocks noGrp="1"/>
+          </p:cNvSpPr>
+          <p:nvPr>
+            <p:ph type="ftr" sz="quarter" idx="2"/>
+          </p:nvPr>
+        </p:nvSpPr>
+        <p:spPr>
+          <a:xfrm>
+            <a:off x="0" y="8685213"/>
+            <a:ext cx="2971800" cy="458787"/>
+          </a:xfrm>
+          <a:prstGeom prst="rect">
+            <a:avLst/>
+          </a:prstGeom>
+        </p:spPr>
+        <p:txBody>
+          <a:bodyPr vert="horz" lIns="91440" tIns="45720" rIns="91440" bIns="45720" rtlCol="0" anchor="b"/>
+          <a:lstStyle>
+            <a:lvl1pPr algn="l">
+              <a:defRPr sz="1200"/>
+            </a:lvl1pPr>
+          </a:lstStyle>
+          <a:p>
+            <a:endParaRPr lang="en-US"/>
+          </a:p>
+        </p:txBody>
+      </p:sp>
+      <p:sp>
+        <p:nvSpPr>
+          <p:cNvPr id="5" name="Segnaposto numero diapositiva 4"/>
+          <p:cNvSpPr>
+            <a:spLocks noGrp="1"/>
+          </p:cNvSpPr>
+          <p:nvPr>
+            <p:ph type="sldNum" sz="quarter" idx="3"/>
+          </p:nvPr>
+        </p:nvSpPr>
+        <p:spPr>
+          <a:xfrm>
+            <a:off x="3884613" y="8685213"/>
+            <a:ext cx="2971800" cy="458787"/>
+          </a:xfrm>
+          <a:prstGeom prst="rect">
+            <a:avLst/>
+          </a:prstGeom>
+        </p:spPr>
+        <p:txBody>
+          <a:bodyPr vert="horz" lIns="91440" tIns="45720" rIns="91440" bIns="45720" rtlCol="0" anchor="b"/>
+          <a:lstStyle>
+            <a:lvl1pPr algn="r">
+              <a:defRPr sz="1200"/>
+            </a:lvl1pPr>
+          </a:lstStyle>
+          <a:p>
+            <a:fld id="{3769817D-AF56-479C-B1F2-18D02832F6A7}" type="slidenum">
+              <a:rPr lang="en-US" smtClean="0"/>
+              <a:t>‹N›</a:t>
+            </a:fld>
+            <a:endParaRPr lang="en-US"/>
+          </a:p>
+        </p:txBody>
+      </p:sp>
+    </p:spTree>
+    <p:extLst>
+      <p:ext uri="{BB962C8B-B14F-4D97-AF65-F5344CB8AC3E}">
+        <p14:creationId xmlns:p14="http://schemas.microsoft.com/office/powerpoint/2010/main" val="1131181903"/>
+      </p:ext>
+    </p:extLst>
+  </p:cSld>
+  <p:clrMap bg1="lt1" tx1="dk1" bg2="lt2" tx2="dk2" accent1="accent1" accent2="accent2" accent3="accent3" accent4="accent4" accent5="accent5" accent6="accent6" hlink="hlink" folHlink="folHlink"/>
+  <p:hf hdr="0" ftr="0" dt="0"/>
+</p:handoutMaster>
+</file>
+
 <file path=ppt/notesMasters/notesMaster1.xml><?xml version="1.0" encoding="utf-8"?>
 <p:notesMaster xmlns:a="http://schemas.openxmlformats.org/drawingml/2006/main" xmlns:r="http://schemas.openxmlformats.org/officeDocument/2006/relationships" xmlns:p="http://schemas.openxmlformats.org/presentationml/2006/main">
   <p:cSld>
@@ -176,6 +350,10 @@
             </a:lvl1pPr>
           </a:lstStyle>
           <a:p>
+            <a:r>
+              <a:rPr lang="it-IT" smtClean="0"/>
+              <a:t>Alessandro Pozzi (852358), Marco Romani (852361)</a:t>
+            </a:r>
             <a:endParaRPr lang="en-US"/>
           </a:p>
         </p:txBody>
@@ -209,7 +387,7 @@
           <a:p>
             <a:fld id="{59C684D7-6F9D-4F0B-995C-EBAAB74A998A}" type="datetimeFigureOut">
               <a:rPr lang="en-US" smtClean="0"/>
-              <a:t>5/10/2016</a:t>
+              <a:t>5/13/2016</a:t>
             </a:fld>
             <a:endParaRPr lang="en-US"/>
           </a:p>
@@ -382,6 +560,7 @@
     </p:extLst>
   </p:cSld>
   <p:clrMap bg1="lt1" tx1="dk1" bg2="lt2" tx2="dk2" accent1="accent1" accent2="accent2" accent3="accent3" accent4="accent4" accent5="accent5" accent6="accent6" hlink="hlink" folHlink="folHlink"/>
+  <p:hf hdr="0" ftr="0" dt="0"/>
   <p:notesStyle>
     <a:lvl1pPr marL="0" algn="l" defTabSz="914400" rtl="0" eaLnBrk="1" latinLnBrk="0" hangingPunct="1">
       <a:defRPr sz="1200" kern="1200">
@@ -521,7 +700,7 @@
           <a:bodyPr/>
           <a:lstStyle/>
           <a:p>
-            <a:endParaRPr lang="en-US" dirty="0"/>
+            <a:endParaRPr lang="en-US"/>
           </a:p>
         </p:txBody>
       </p:sp>
@@ -542,7 +721,7 @@
           <a:p>
             <a:fld id="{FA4962A1-AAE7-4AA1-B990-E6EE2D5D0CB0}" type="slidenum">
               <a:rPr lang="en-US" smtClean="0"/>
-              <a:t>2</a:t>
+              <a:t>1</a:t>
             </a:fld>
             <a:endParaRPr lang="en-US"/>
           </a:p>
@@ -551,7 +730,7 @@
     </p:spTree>
     <p:extLst>
       <p:ext uri="{BB962C8B-B14F-4D97-AF65-F5344CB8AC3E}">
-        <p14:creationId xmlns:p14="http://schemas.microsoft.com/office/powerpoint/2010/main" val="2852273794"/>
+        <p14:creationId xmlns:p14="http://schemas.microsoft.com/office/powerpoint/2010/main" val="770196892"/>
       </p:ext>
     </p:extLst>
   </p:cSld>
@@ -626,7 +805,175 @@
           <a:p>
             <a:fld id="{FA4962A1-AAE7-4AA1-B990-E6EE2D5D0CB0}" type="slidenum">
               <a:rPr lang="en-US" smtClean="0"/>
+              <a:t>3</a:t>
+            </a:fld>
+            <a:endParaRPr lang="en-US"/>
+          </a:p>
+        </p:txBody>
+      </p:sp>
+    </p:spTree>
+    <p:extLst>
+      <p:ext uri="{BB962C8B-B14F-4D97-AF65-F5344CB8AC3E}">
+        <p14:creationId xmlns:p14="http://schemas.microsoft.com/office/powerpoint/2010/main" val="2852273794"/>
+      </p:ext>
+    </p:extLst>
+  </p:cSld>
+  <p:clrMapOvr>
+    <a:masterClrMapping/>
+  </p:clrMapOvr>
+</p:notes>
+</file>
+
+<file path=ppt/notesSlides/notesSlide3.xml><?xml version="1.0" encoding="utf-8"?>
+<p:notes xmlns:a="http://schemas.openxmlformats.org/drawingml/2006/main" xmlns:r="http://schemas.openxmlformats.org/officeDocument/2006/relationships" xmlns:p="http://schemas.openxmlformats.org/presentationml/2006/main">
+  <p:cSld>
+    <p:spTree>
+      <p:nvGrpSpPr>
+        <p:cNvPr id="1" name=""/>
+        <p:cNvGrpSpPr/>
+        <p:nvPr/>
+      </p:nvGrpSpPr>
+      <p:grpSpPr>
+        <a:xfrm>
+          <a:off x="0" y="0"/>
+          <a:ext cx="0" cy="0"/>
+          <a:chOff x="0" y="0"/>
+          <a:chExt cx="0" cy="0"/>
+        </a:xfrm>
+      </p:grpSpPr>
+      <p:sp>
+        <p:nvSpPr>
+          <p:cNvPr id="2" name="Segnaposto immagine diapositiva 1"/>
+          <p:cNvSpPr>
+            <a:spLocks noGrp="1" noRot="1" noChangeAspect="1"/>
+          </p:cNvSpPr>
+          <p:nvPr>
+            <p:ph type="sldImg"/>
+          </p:nvPr>
+        </p:nvSpPr>
+        <p:spPr/>
+      </p:sp>
+      <p:sp>
+        <p:nvSpPr>
+          <p:cNvPr id="3" name="Segnaposto note 2"/>
+          <p:cNvSpPr>
+            <a:spLocks noGrp="1"/>
+          </p:cNvSpPr>
+          <p:nvPr>
+            <p:ph type="body" idx="1"/>
+          </p:nvPr>
+        </p:nvSpPr>
+        <p:spPr/>
+        <p:txBody>
+          <a:bodyPr/>
+          <a:lstStyle/>
+          <a:p>
+            <a:endParaRPr lang="en-US"/>
+          </a:p>
+        </p:txBody>
+      </p:sp>
+      <p:sp>
+        <p:nvSpPr>
+          <p:cNvPr id="4" name="Segnaposto numero diapositiva 3"/>
+          <p:cNvSpPr>
+            <a:spLocks noGrp="1"/>
+          </p:cNvSpPr>
+          <p:nvPr>
+            <p:ph type="sldNum" sz="quarter" idx="10"/>
+          </p:nvPr>
+        </p:nvSpPr>
+        <p:spPr/>
+        <p:txBody>
+          <a:bodyPr/>
+          <a:lstStyle/>
+          <a:p>
+            <a:fld id="{FA4962A1-AAE7-4AA1-B990-E6EE2D5D0CB0}" type="slidenum">
+              <a:rPr lang="en-US" smtClean="0"/>
               <a:t>8</a:t>
+            </a:fld>
+            <a:endParaRPr lang="en-US"/>
+          </a:p>
+        </p:txBody>
+      </p:sp>
+    </p:spTree>
+    <p:extLst>
+      <p:ext uri="{BB962C8B-B14F-4D97-AF65-F5344CB8AC3E}">
+        <p14:creationId xmlns:p14="http://schemas.microsoft.com/office/powerpoint/2010/main" val="2085516039"/>
+      </p:ext>
+    </p:extLst>
+  </p:cSld>
+  <p:clrMapOvr>
+    <a:masterClrMapping/>
+  </p:clrMapOvr>
+</p:notes>
+</file>
+
+<file path=ppt/notesSlides/notesSlide4.xml><?xml version="1.0" encoding="utf-8"?>
+<p:notes xmlns:a="http://schemas.openxmlformats.org/drawingml/2006/main" xmlns:r="http://schemas.openxmlformats.org/officeDocument/2006/relationships" xmlns:p="http://schemas.openxmlformats.org/presentationml/2006/main">
+  <p:cSld>
+    <p:spTree>
+      <p:nvGrpSpPr>
+        <p:cNvPr id="1" name=""/>
+        <p:cNvGrpSpPr/>
+        <p:nvPr/>
+      </p:nvGrpSpPr>
+      <p:grpSpPr>
+        <a:xfrm>
+          <a:off x="0" y="0"/>
+          <a:ext cx="0" cy="0"/>
+          <a:chOff x="0" y="0"/>
+          <a:chExt cx="0" cy="0"/>
+        </a:xfrm>
+      </p:grpSpPr>
+      <p:sp>
+        <p:nvSpPr>
+          <p:cNvPr id="2" name="Segnaposto immagine diapositiva 1"/>
+          <p:cNvSpPr>
+            <a:spLocks noGrp="1" noRot="1" noChangeAspect="1"/>
+          </p:cNvSpPr>
+          <p:nvPr>
+            <p:ph type="sldImg"/>
+          </p:nvPr>
+        </p:nvSpPr>
+        <p:spPr/>
+      </p:sp>
+      <p:sp>
+        <p:nvSpPr>
+          <p:cNvPr id="3" name="Segnaposto note 2"/>
+          <p:cNvSpPr>
+            <a:spLocks noGrp="1"/>
+          </p:cNvSpPr>
+          <p:nvPr>
+            <p:ph type="body" idx="1"/>
+          </p:nvPr>
+        </p:nvSpPr>
+        <p:spPr/>
+        <p:txBody>
+          <a:bodyPr/>
+          <a:lstStyle/>
+          <a:p>
+            <a:endParaRPr lang="en-US" dirty="0"/>
+          </a:p>
+        </p:txBody>
+      </p:sp>
+      <p:sp>
+        <p:nvSpPr>
+          <p:cNvPr id="4" name="Segnaposto numero diapositiva 3"/>
+          <p:cNvSpPr>
+            <a:spLocks noGrp="1"/>
+          </p:cNvSpPr>
+          <p:nvPr>
+            <p:ph type="sldNum" sz="quarter" idx="10"/>
+          </p:nvPr>
+        </p:nvSpPr>
+        <p:spPr/>
+        <p:txBody>
+          <a:bodyPr/>
+          <a:lstStyle/>
+          <a:p>
+            <a:fld id="{FA4962A1-AAE7-4AA1-B990-E6EE2D5D0CB0}" type="slidenum">
+              <a:rPr lang="en-US" smtClean="0"/>
+              <a:t>9</a:t>
             </a:fld>
             <a:endParaRPr lang="en-US"/>
           </a:p>
@@ -774,9 +1121,9 @@
           <a:bodyPr/>
           <a:lstStyle/>
           <a:p>
-            <a:fld id="{DB81182E-7B69-4EFE-B25E-B8DB71FFD0A7}" type="datetimeFigureOut">
+            <a:fld id="{87E457F8-0B56-4905-994B-97897E4A2FA7}" type="datetime1">
               <a:rPr lang="en-US" smtClean="0"/>
-              <a:t>5/10/2016</a:t>
+              <a:t>5/13/2016</a:t>
             </a:fld>
             <a:endParaRPr lang="en-US"/>
           </a:p>
@@ -797,6 +1144,10 @@
           <a:bodyPr/>
           <a:lstStyle/>
           <a:p>
+            <a:r>
+              <a:rPr lang="it-IT" smtClean="0"/>
+              <a:t>Alessandro Pozzi (852358), Marco Romani (852361)</a:t>
+            </a:r>
             <a:endParaRPr lang="en-US"/>
           </a:p>
         </p:txBody>
@@ -944,9 +1295,9 @@
           <a:bodyPr/>
           <a:lstStyle/>
           <a:p>
-            <a:fld id="{DB81182E-7B69-4EFE-B25E-B8DB71FFD0A7}" type="datetimeFigureOut">
+            <a:fld id="{0EF41C28-503D-47D4-A7F9-EA2551F27181}" type="datetime1">
               <a:rPr lang="en-US" smtClean="0"/>
-              <a:t>5/10/2016</a:t>
+              <a:t>5/13/2016</a:t>
             </a:fld>
             <a:endParaRPr lang="en-US"/>
           </a:p>
@@ -967,6 +1318,10 @@
           <a:bodyPr/>
           <a:lstStyle/>
           <a:p>
+            <a:r>
+              <a:rPr lang="it-IT" smtClean="0"/>
+              <a:t>Alessandro Pozzi (852358), Marco Romani (852361)</a:t>
+            </a:r>
             <a:endParaRPr lang="en-US"/>
           </a:p>
         </p:txBody>
@@ -1124,9 +1479,9 @@
           <a:bodyPr/>
           <a:lstStyle/>
           <a:p>
-            <a:fld id="{DB81182E-7B69-4EFE-B25E-B8DB71FFD0A7}" type="datetimeFigureOut">
+            <a:fld id="{4F9B00B1-6DCC-48C0-94D1-E2562DA772F9}" type="datetime1">
               <a:rPr lang="en-US" smtClean="0"/>
-              <a:t>5/10/2016</a:t>
+              <a:t>5/13/2016</a:t>
             </a:fld>
             <a:endParaRPr lang="en-US"/>
           </a:p>
@@ -1147,6 +1502,10 @@
           <a:bodyPr/>
           <a:lstStyle/>
           <a:p>
+            <a:r>
+              <a:rPr lang="it-IT" smtClean="0"/>
+              <a:t>Alessandro Pozzi (852358), Marco Romani (852361)</a:t>
+            </a:r>
             <a:endParaRPr lang="en-US"/>
           </a:p>
         </p:txBody>
@@ -1294,9 +1653,9 @@
           <a:bodyPr/>
           <a:lstStyle/>
           <a:p>
-            <a:fld id="{DB81182E-7B69-4EFE-B25E-B8DB71FFD0A7}" type="datetimeFigureOut">
+            <a:fld id="{55D3F099-6E12-478E-8E8A-D1BA1E9A6A45}" type="datetime1">
               <a:rPr lang="en-US" smtClean="0"/>
-              <a:t>5/10/2016</a:t>
+              <a:t>5/13/2016</a:t>
             </a:fld>
             <a:endParaRPr lang="en-US"/>
           </a:p>
@@ -1317,6 +1676,10 @@
           <a:bodyPr/>
           <a:lstStyle/>
           <a:p>
+            <a:r>
+              <a:rPr lang="it-IT" smtClean="0"/>
+              <a:t>Alessandro Pozzi (852358), Marco Romani (852361)</a:t>
+            </a:r>
             <a:endParaRPr lang="en-US"/>
           </a:p>
         </p:txBody>
@@ -1540,9 +1903,9 @@
           <a:bodyPr/>
           <a:lstStyle/>
           <a:p>
-            <a:fld id="{DB81182E-7B69-4EFE-B25E-B8DB71FFD0A7}" type="datetimeFigureOut">
+            <a:fld id="{33A8C20E-8476-4DF2-B5D3-0A7910B6520E}" type="datetime1">
               <a:rPr lang="en-US" smtClean="0"/>
-              <a:t>5/10/2016</a:t>
+              <a:t>5/13/2016</a:t>
             </a:fld>
             <a:endParaRPr lang="en-US"/>
           </a:p>
@@ -1563,6 +1926,10 @@
           <a:bodyPr/>
           <a:lstStyle/>
           <a:p>
+            <a:r>
+              <a:rPr lang="it-IT" smtClean="0"/>
+              <a:t>Alessandro Pozzi (852358), Marco Romani (852361)</a:t>
+            </a:r>
             <a:endParaRPr lang="en-US"/>
           </a:p>
         </p:txBody>
@@ -1772,9 +2139,9 @@
           <a:bodyPr/>
           <a:lstStyle/>
           <a:p>
-            <a:fld id="{DB81182E-7B69-4EFE-B25E-B8DB71FFD0A7}" type="datetimeFigureOut">
+            <a:fld id="{204073A1-A9F0-4A38-B887-4E78C4EE0693}" type="datetime1">
               <a:rPr lang="en-US" smtClean="0"/>
-              <a:t>5/10/2016</a:t>
+              <a:t>5/13/2016</a:t>
             </a:fld>
             <a:endParaRPr lang="en-US"/>
           </a:p>
@@ -1795,6 +2162,10 @@
           <a:bodyPr/>
           <a:lstStyle/>
           <a:p>
+            <a:r>
+              <a:rPr lang="it-IT" smtClean="0"/>
+              <a:t>Alessandro Pozzi (852358), Marco Romani (852361)</a:t>
+            </a:r>
             <a:endParaRPr lang="en-US"/>
           </a:p>
         </p:txBody>
@@ -2139,9 +2510,9 @@
           <a:bodyPr/>
           <a:lstStyle/>
           <a:p>
-            <a:fld id="{DB81182E-7B69-4EFE-B25E-B8DB71FFD0A7}" type="datetimeFigureOut">
+            <a:fld id="{AE41D6FC-17DB-4206-A175-F942F7303862}" type="datetime1">
               <a:rPr lang="en-US" smtClean="0"/>
-              <a:t>5/10/2016</a:t>
+              <a:t>5/13/2016</a:t>
             </a:fld>
             <a:endParaRPr lang="en-US"/>
           </a:p>
@@ -2162,6 +2533,10 @@
           <a:bodyPr/>
           <a:lstStyle/>
           <a:p>
+            <a:r>
+              <a:rPr lang="it-IT" smtClean="0"/>
+              <a:t>Alessandro Pozzi (852358), Marco Romani (852361)</a:t>
+            </a:r>
             <a:endParaRPr lang="en-US"/>
           </a:p>
         </p:txBody>
@@ -2257,9 +2632,9 @@
           <a:bodyPr/>
           <a:lstStyle/>
           <a:p>
-            <a:fld id="{DB81182E-7B69-4EFE-B25E-B8DB71FFD0A7}" type="datetimeFigureOut">
+            <a:fld id="{68A40982-7091-4D65-BE0B-06DD589FA293}" type="datetime1">
               <a:rPr lang="en-US" smtClean="0"/>
-              <a:t>5/10/2016</a:t>
+              <a:t>5/13/2016</a:t>
             </a:fld>
             <a:endParaRPr lang="en-US"/>
           </a:p>
@@ -2280,6 +2655,10 @@
           <a:bodyPr/>
           <a:lstStyle/>
           <a:p>
+            <a:r>
+              <a:rPr lang="it-IT" smtClean="0"/>
+              <a:t>Alessandro Pozzi (852358), Marco Romani (852361)</a:t>
+            </a:r>
             <a:endParaRPr lang="en-US"/>
           </a:p>
         </p:txBody>
@@ -2352,9 +2731,9 @@
           <a:bodyPr/>
           <a:lstStyle/>
           <a:p>
-            <a:fld id="{DB81182E-7B69-4EFE-B25E-B8DB71FFD0A7}" type="datetimeFigureOut">
+            <a:fld id="{2FC435E1-B8EB-4BC6-8B5A-1E0B765A89F3}" type="datetime1">
               <a:rPr lang="en-US" smtClean="0"/>
-              <a:t>5/10/2016</a:t>
+              <a:t>5/13/2016</a:t>
             </a:fld>
             <a:endParaRPr lang="en-US"/>
           </a:p>
@@ -2375,6 +2754,10 @@
           <a:bodyPr/>
           <a:lstStyle/>
           <a:p>
+            <a:r>
+              <a:rPr lang="it-IT" smtClean="0"/>
+              <a:t>Alessandro Pozzi (852358), Marco Romani (852361)</a:t>
+            </a:r>
             <a:endParaRPr lang="en-US"/>
           </a:p>
         </p:txBody>
@@ -2629,9 +3012,9 @@
           <a:bodyPr/>
           <a:lstStyle/>
           <a:p>
-            <a:fld id="{DB81182E-7B69-4EFE-B25E-B8DB71FFD0A7}" type="datetimeFigureOut">
+            <a:fld id="{8B4317CE-46F0-4745-90BD-7B5D3579B6B8}" type="datetime1">
               <a:rPr lang="en-US" smtClean="0"/>
-              <a:t>5/10/2016</a:t>
+              <a:t>5/13/2016</a:t>
             </a:fld>
             <a:endParaRPr lang="en-US"/>
           </a:p>
@@ -2652,6 +3035,10 @@
           <a:bodyPr/>
           <a:lstStyle/>
           <a:p>
+            <a:r>
+              <a:rPr lang="it-IT" smtClean="0"/>
+              <a:t>Alessandro Pozzi (852358), Marco Romani (852361)</a:t>
+            </a:r>
             <a:endParaRPr lang="en-US"/>
           </a:p>
         </p:txBody>
@@ -2882,9 +3269,9 @@
           <a:bodyPr/>
           <a:lstStyle/>
           <a:p>
-            <a:fld id="{DB81182E-7B69-4EFE-B25E-B8DB71FFD0A7}" type="datetimeFigureOut">
+            <a:fld id="{9E889A4C-9E49-476D-85C2-C6640BEB8EEC}" type="datetime1">
               <a:rPr lang="en-US" smtClean="0"/>
-              <a:t>5/10/2016</a:t>
+              <a:t>5/13/2016</a:t>
             </a:fld>
             <a:endParaRPr lang="en-US"/>
           </a:p>
@@ -2905,6 +3292,10 @@
           <a:bodyPr/>
           <a:lstStyle/>
           <a:p>
+            <a:r>
+              <a:rPr lang="it-IT" smtClean="0"/>
+              <a:t>Alessandro Pozzi (852358), Marco Romani (852361)</a:t>
+            </a:r>
             <a:endParaRPr lang="en-US"/>
           </a:p>
         </p:txBody>
@@ -3095,9 +3486,9 @@
             </a:lvl1pPr>
           </a:lstStyle>
           <a:p>
-            <a:fld id="{DB81182E-7B69-4EFE-B25E-B8DB71FFD0A7}" type="datetimeFigureOut">
+            <a:fld id="{F6765244-A5D2-4F98-B33B-0BB5CFD5BC24}" type="datetime1">
               <a:rPr lang="en-US" smtClean="0"/>
-              <a:t>5/10/2016</a:t>
+              <a:t>5/13/2016</a:t>
             </a:fld>
             <a:endParaRPr lang="en-US"/>
           </a:p>
@@ -3136,6 +3527,10 @@
             </a:lvl1pPr>
           </a:lstStyle>
           <a:p>
+            <a:r>
+              <a:rPr lang="it-IT" smtClean="0"/>
+              <a:t>Alessandro Pozzi (852358), Marco Romani (852361)</a:t>
+            </a:r>
             <a:endParaRPr lang="en-US"/>
           </a:p>
         </p:txBody>
@@ -3202,6 +3597,7 @@
     <p:sldLayoutId id="2147483658" r:id="rId10"/>
     <p:sldLayoutId id="2147483659" r:id="rId11"/>
   </p:sldLayoutIdLst>
+  <p:hf sldNum="0" hdr="0" ftr="0" dt="0"/>
   <p:txStyles>
     <p:titleStyle>
       <a:lvl1pPr algn="l" defTabSz="914400" rtl="0" eaLnBrk="1" latinLnBrk="0" hangingPunct="1">
@@ -3514,8 +3910,8 @@
         </p:nvSpPr>
         <p:spPr>
           <a:xfrm>
-            <a:off x="1776548" y="3596639"/>
-            <a:ext cx="8516979" cy="2908663"/>
+            <a:off x="764552" y="3035324"/>
+            <a:ext cx="10540967" cy="3599882"/>
           </a:xfrm>
         </p:spPr>
         <p:txBody>
@@ -3599,14 +3995,34 @@
               <a:rPr lang="en-US" sz="2000" dirty="0" smtClean="0">
                 <a:latin typeface="Cambria" panose="02040503050406030204" pitchFamily="18" charset="0"/>
               </a:rPr>
-              <a:t>(IDM </a:t>
+              <a:t>IDM </a:t>
             </a:r>
             <a:r>
               <a:rPr lang="en-US" sz="2000" dirty="0">
                 <a:latin typeface="Cambria" panose="02040503050406030204" pitchFamily="18" charset="0"/>
               </a:rPr>
-              <a:t>C/L/P design + interactive mock-up ) </a:t>
-            </a:r>
+              <a:t>C/L/P design + interactive </a:t>
+            </a:r>
+            <a:r>
+              <a:rPr lang="en-US" sz="2000" dirty="0" smtClean="0">
+                <a:latin typeface="Cambria" panose="02040503050406030204" pitchFamily="18" charset="0"/>
+              </a:rPr>
+              <a:t>mock-up</a:t>
+            </a:r>
+            <a:endParaRPr lang="en-US" sz="2000" dirty="0">
+              <a:latin typeface="Cambria" panose="02040503050406030204" pitchFamily="18" charset="0"/>
+            </a:endParaRPr>
+          </a:p>
+          <a:p>
+            <a:r>
+              <a:rPr lang="en-US" sz="1600" dirty="0" smtClean="0">
+                <a:latin typeface="Cambria" panose="02040503050406030204" pitchFamily="18" charset="0"/>
+              </a:rPr>
+              <a:t>Delivery date: 16 May 2016</a:t>
+            </a:r>
+            <a:endParaRPr lang="en-US" sz="1600" dirty="0">
+              <a:latin typeface="Cambria" panose="02040503050406030204" pitchFamily="18" charset="0"/>
+            </a:endParaRPr>
           </a:p>
           <a:p>
             <a:r>
@@ -3618,89 +4034,6 @@
               </a:rPr>
               <a:t> </a:t>
             </a:r>
-            <a:r>
-              <a:rPr lang="it-IT" sz="1600" i="1" dirty="0" smtClean="0">
-                <a:solidFill>
-                  <a:srgbClr val="870CA8"/>
-                </a:solidFill>
-                <a:latin typeface="Cambria" panose="02040503050406030204" pitchFamily="18" charset="0"/>
-              </a:rPr>
-              <a:t>Alessandro </a:t>
-            </a:r>
-            <a:r>
-              <a:rPr lang="it-IT" sz="1600" i="1" dirty="0">
-                <a:solidFill>
-                  <a:srgbClr val="870CA8"/>
-                </a:solidFill>
-                <a:latin typeface="Cambria" panose="02040503050406030204" pitchFamily="18" charset="0"/>
-              </a:rPr>
-              <a:t>Pozzi (</a:t>
-            </a:r>
-            <a:r>
-              <a:rPr lang="it-IT" sz="1600" i="1" dirty="0" err="1">
-                <a:solidFill>
-                  <a:srgbClr val="870CA8"/>
-                </a:solidFill>
-                <a:latin typeface="Cambria" panose="02040503050406030204" pitchFamily="18" charset="0"/>
-              </a:rPr>
-              <a:t>matr</a:t>
-            </a:r>
-            <a:r>
-              <a:rPr lang="it-IT" sz="1600" i="1" dirty="0">
-                <a:solidFill>
-                  <a:srgbClr val="870CA8"/>
-                </a:solidFill>
-                <a:latin typeface="Cambria" panose="02040503050406030204" pitchFamily="18" charset="0"/>
-              </a:rPr>
-              <a:t>. 852358</a:t>
-            </a:r>
-            <a:r>
-              <a:rPr lang="it-IT" sz="1600" i="1" dirty="0" smtClean="0">
-                <a:solidFill>
-                  <a:srgbClr val="870CA8"/>
-                </a:solidFill>
-                <a:latin typeface="Cambria" panose="02040503050406030204" pitchFamily="18" charset="0"/>
-              </a:rPr>
-              <a:t>)</a:t>
-            </a:r>
-          </a:p>
-          <a:p>
-            <a:r>
-              <a:rPr lang="it-IT" sz="1600" i="1" dirty="0" smtClean="0">
-                <a:solidFill>
-                  <a:srgbClr val="870CA8"/>
-                </a:solidFill>
-                <a:latin typeface="Cambria" panose="02040503050406030204" pitchFamily="18" charset="0"/>
-              </a:rPr>
-              <a:t>Marco </a:t>
-            </a:r>
-            <a:r>
-              <a:rPr lang="it-IT" sz="1600" i="1" dirty="0">
-                <a:solidFill>
-                  <a:srgbClr val="870CA8"/>
-                </a:solidFill>
-                <a:latin typeface="Cambria" panose="02040503050406030204" pitchFamily="18" charset="0"/>
-              </a:rPr>
-              <a:t>Romani (</a:t>
-            </a:r>
-            <a:r>
-              <a:rPr lang="it-IT" sz="1600" i="1" dirty="0" err="1">
-                <a:solidFill>
-                  <a:srgbClr val="870CA8"/>
-                </a:solidFill>
-                <a:latin typeface="Cambria" panose="02040503050406030204" pitchFamily="18" charset="0"/>
-              </a:rPr>
-              <a:t>matr</a:t>
-            </a:r>
-            <a:r>
-              <a:rPr lang="it-IT" sz="1600" i="1" dirty="0">
-                <a:solidFill>
-                  <a:srgbClr val="870CA8"/>
-                </a:solidFill>
-                <a:latin typeface="Cambria" panose="02040503050406030204" pitchFamily="18" charset="0"/>
-              </a:rPr>
-              <a:t>. 852361)</a:t>
-            </a:r>
             <a:endParaRPr lang="en-US" sz="1600" i="1" dirty="0">
               <a:solidFill>
                 <a:srgbClr val="870CA8"/>
@@ -3717,7 +4050,7 @@
           <p:nvPr/>
         </p:nvPicPr>
         <p:blipFill>
-          <a:blip r:embed="rId2" cstate="print">
+          <a:blip r:embed="rId3" cstate="print">
             <a:extLst>
               <a:ext uri="{28A0092B-C50C-407E-A947-70E740481C1C}">
                 <a14:useLocalDpi xmlns:a14="http://schemas.microsoft.com/office/drawing/2010/main" val="0"/>
@@ -3731,8 +4064,8 @@
         </p:blipFill>
         <p:spPr bwMode="auto">
           <a:xfrm>
-            <a:off x="4502554" y="348794"/>
-            <a:ext cx="3064965" cy="3064965"/>
+            <a:off x="4674871" y="185831"/>
+            <a:ext cx="2720331" cy="2720331"/>
           </a:xfrm>
           <a:prstGeom prst="rect">
             <a:avLst/>
@@ -3743,6 +4076,173 @@
           </a:ln>
         </p:spPr>
       </p:pic>
+      <p:sp>
+        <p:nvSpPr>
+          <p:cNvPr id="3" name="CasellaDiTesto 2"/>
+          <p:cNvSpPr txBox="1"/>
+          <p:nvPr/>
+        </p:nvSpPr>
+        <p:spPr>
+          <a:xfrm>
+            <a:off x="6382693" y="5513558"/>
+            <a:ext cx="5495455" cy="646331"/>
+          </a:xfrm>
+          <a:prstGeom prst="rect">
+            <a:avLst/>
+          </a:prstGeom>
+          <a:noFill/>
+        </p:spPr>
+        <p:txBody>
+          <a:bodyPr wrap="square" rtlCol="0">
+            <a:spAutoFit/>
+          </a:bodyPr>
+          <a:lstStyle/>
+          <a:p>
+            <a:pPr algn="ctr"/>
+            <a:r>
+              <a:rPr lang="it-IT" b="1" i="1" dirty="0">
+                <a:solidFill>
+                  <a:srgbClr val="870CA8"/>
+                </a:solidFill>
+                <a:latin typeface="Cambria" panose="02040503050406030204" pitchFamily="18" charset="0"/>
+              </a:rPr>
+              <a:t>Marco Romani </a:t>
+            </a:r>
+            <a:endParaRPr lang="it-IT" b="1" i="1" dirty="0" smtClean="0">
+              <a:solidFill>
+                <a:srgbClr val="870CA8"/>
+              </a:solidFill>
+              <a:latin typeface="Cambria" panose="02040503050406030204" pitchFamily="18" charset="0"/>
+            </a:endParaRPr>
+          </a:p>
+          <a:p>
+            <a:pPr algn="ctr"/>
+            <a:r>
+              <a:rPr lang="it-IT" i="1" dirty="0" smtClean="0">
+                <a:solidFill>
+                  <a:srgbClr val="870CA8"/>
+                </a:solidFill>
+                <a:latin typeface="Cambria" panose="02040503050406030204" pitchFamily="18" charset="0"/>
+              </a:rPr>
+              <a:t>(</a:t>
+            </a:r>
+            <a:r>
+              <a:rPr lang="it-IT" i="1" dirty="0">
+                <a:solidFill>
+                  <a:srgbClr val="870CA8"/>
+                </a:solidFill>
+                <a:latin typeface="Cambria" panose="02040503050406030204" pitchFamily="18" charset="0"/>
+              </a:rPr>
+              <a:t>ID: 852361  Email: marco.romani@mail.polimi.it)</a:t>
+            </a:r>
+            <a:endParaRPr lang="en-US" i="1" dirty="0">
+              <a:solidFill>
+                <a:srgbClr val="870CA8"/>
+              </a:solidFill>
+              <a:latin typeface="Cambria" panose="02040503050406030204" pitchFamily="18" charset="0"/>
+            </a:endParaRPr>
+          </a:p>
+        </p:txBody>
+      </p:sp>
+      <p:sp>
+        <p:nvSpPr>
+          <p:cNvPr id="6" name="CasellaDiTesto 5"/>
+          <p:cNvSpPr txBox="1"/>
+          <p:nvPr/>
+        </p:nvSpPr>
+        <p:spPr>
+          <a:xfrm>
+            <a:off x="764552" y="5513558"/>
+            <a:ext cx="5495455" cy="646331"/>
+          </a:xfrm>
+          <a:prstGeom prst="rect">
+            <a:avLst/>
+          </a:prstGeom>
+          <a:noFill/>
+        </p:spPr>
+        <p:txBody>
+          <a:bodyPr wrap="square" rtlCol="0">
+            <a:spAutoFit/>
+          </a:bodyPr>
+          <a:lstStyle/>
+          <a:p>
+            <a:pPr algn="ctr"/>
+            <a:r>
+              <a:rPr lang="it-IT" b="1" i="1" dirty="0">
+                <a:solidFill>
+                  <a:srgbClr val="870CA8"/>
+                </a:solidFill>
+                <a:latin typeface="Cambria" panose="02040503050406030204" pitchFamily="18" charset="0"/>
+              </a:rPr>
+              <a:t>Alessandro Pozzi </a:t>
+            </a:r>
+            <a:endParaRPr lang="it-IT" b="1" i="1" dirty="0" smtClean="0">
+              <a:solidFill>
+                <a:srgbClr val="870CA8"/>
+              </a:solidFill>
+              <a:latin typeface="Cambria" panose="02040503050406030204" pitchFamily="18" charset="0"/>
+            </a:endParaRPr>
+          </a:p>
+          <a:p>
+            <a:pPr algn="ctr"/>
+            <a:r>
+              <a:rPr lang="it-IT" i="1" dirty="0" smtClean="0">
+                <a:solidFill>
+                  <a:srgbClr val="870CA8"/>
+                </a:solidFill>
+                <a:latin typeface="Cambria" panose="02040503050406030204" pitchFamily="18" charset="0"/>
+              </a:rPr>
+              <a:t>(</a:t>
+            </a:r>
+            <a:r>
+              <a:rPr lang="it-IT" i="1" dirty="0">
+                <a:solidFill>
+                  <a:srgbClr val="870CA8"/>
+                </a:solidFill>
+                <a:latin typeface="Cambria" panose="02040503050406030204" pitchFamily="18" charset="0"/>
+              </a:rPr>
+              <a:t>ID: </a:t>
+            </a:r>
+            <a:r>
+              <a:rPr lang="it-IT" i="1" dirty="0" smtClean="0">
+                <a:solidFill>
+                  <a:srgbClr val="870CA8"/>
+                </a:solidFill>
+                <a:latin typeface="Cambria" panose="02040503050406030204" pitchFamily="18" charset="0"/>
+              </a:rPr>
+              <a:t>852358 Email</a:t>
+            </a:r>
+            <a:r>
+              <a:rPr lang="it-IT" i="1" dirty="0">
+                <a:solidFill>
+                  <a:srgbClr val="870CA8"/>
+                </a:solidFill>
+                <a:latin typeface="Cambria" panose="02040503050406030204" pitchFamily="18" charset="0"/>
+              </a:rPr>
+              <a:t>: </a:t>
+            </a:r>
+            <a:r>
+              <a:rPr lang="en-US" i="1" dirty="0">
+                <a:solidFill>
+                  <a:srgbClr val="870CA8"/>
+                </a:solidFill>
+                <a:latin typeface="Cambria" panose="02040503050406030204" pitchFamily="18" charset="0"/>
+              </a:rPr>
+              <a:t>alessandro10.pozzi@mail.polimi.it</a:t>
+            </a:r>
+            <a:r>
+              <a:rPr lang="it-IT" i="1" dirty="0">
+                <a:solidFill>
+                  <a:srgbClr val="870CA8"/>
+                </a:solidFill>
+                <a:latin typeface="Cambria" panose="02040503050406030204" pitchFamily="18" charset="0"/>
+              </a:rPr>
+              <a:t>)</a:t>
+            </a:r>
+            <a:endParaRPr lang="en-US" dirty="0"/>
+          </a:p>
+        </p:txBody>
+      </p:sp>
     </p:spTree>
     <p:extLst>
       <p:ext uri="{BB962C8B-B14F-4D97-AF65-F5344CB8AC3E}">
@@ -3753,6 +4253,13 @@
   <p:clrMapOvr>
     <a:masterClrMapping/>
   </p:clrMapOvr>
+  <p:timing>
+    <p:tnLst>
+      <p:par>
+        <p:cTn id="1" dur="indefinite" restart="never" nodeType="tmRoot"/>
+      </p:par>
+    </p:tnLst>
+  </p:timing>
 </p:sld>
 </file>
 
@@ -3793,6 +4300,216 @@
           <a:bodyPr/>
           <a:lstStyle/>
           <a:p>
+            <a:pPr marL="0" indent="0">
+              <a:buNone/>
+            </a:pPr>
+            <a:r>
+              <a:rPr lang="en-US" b="1" dirty="0" smtClean="0">
+                <a:latin typeface="Cambria" panose="02040503050406030204" pitchFamily="18" charset="0"/>
+              </a:rPr>
+              <a:t>Notes on the P-IDM diagram</a:t>
+            </a:r>
+          </a:p>
+          <a:p>
+            <a:r>
+              <a:rPr lang="en-US" sz="2000" dirty="0" smtClean="0">
+                <a:latin typeface="Cambria" panose="02040503050406030204" pitchFamily="18" charset="0"/>
+              </a:rPr>
+              <a:t>As stated in the L-IDM, we think that “</a:t>
+            </a:r>
+            <a:r>
+              <a:rPr lang="en-US" sz="2000" b="1" dirty="0" smtClean="0">
+                <a:latin typeface="Cambria" panose="02040503050406030204" pitchFamily="18" charset="0"/>
+              </a:rPr>
+              <a:t>News</a:t>
+            </a:r>
+            <a:r>
+              <a:rPr lang="en-US" sz="2000" dirty="0" smtClean="0">
+                <a:latin typeface="Cambria" panose="02040503050406030204" pitchFamily="18" charset="0"/>
+              </a:rPr>
+              <a:t>” should have a more relevant role. For this reason, it will also be a landmark well visible in any moment (see the mock-up).</a:t>
+            </a:r>
+          </a:p>
+          <a:p>
+            <a:endParaRPr lang="en-US" sz="2000" dirty="0" smtClean="0">
+              <a:latin typeface="Cambria" panose="02040503050406030204" pitchFamily="18" charset="0"/>
+            </a:endParaRPr>
+          </a:p>
+          <a:p>
+            <a:r>
+              <a:rPr lang="en-US" sz="2000" b="1" dirty="0" smtClean="0">
+                <a:latin typeface="Cambria" panose="02040503050406030204" pitchFamily="18" charset="0"/>
+              </a:rPr>
+              <a:t>Business</a:t>
+            </a:r>
+            <a:r>
+              <a:rPr lang="en-US" sz="2000" dirty="0" smtClean="0">
+                <a:latin typeface="Cambria" panose="02040503050406030204" pitchFamily="18" charset="0"/>
+              </a:rPr>
+              <a:t> and </a:t>
+            </a:r>
+            <a:r>
+              <a:rPr lang="en-US" sz="2000" b="1" dirty="0" smtClean="0">
+                <a:latin typeface="Cambria" panose="02040503050406030204" pitchFamily="18" charset="0"/>
+              </a:rPr>
+              <a:t>governance</a:t>
+            </a:r>
+            <a:r>
+              <a:rPr lang="en-US" sz="2000" dirty="0" smtClean="0">
+                <a:latin typeface="Cambria" panose="02040503050406030204" pitchFamily="18" charset="0"/>
+              </a:rPr>
+              <a:t> are logically separated so that the user can find quickly the information (s)he needs; however it is possible to navigate directly from one to the other. They are not landmarks, since are not information that need to be accessed from any page.</a:t>
+            </a:r>
+          </a:p>
+          <a:p>
+            <a:endParaRPr lang="en-US" sz="2000" dirty="0" smtClean="0">
+              <a:latin typeface="Cambria" panose="02040503050406030204" pitchFamily="18" charset="0"/>
+            </a:endParaRPr>
+          </a:p>
+          <a:p>
+            <a:r>
+              <a:rPr lang="en-US" sz="2000" dirty="0" smtClean="0">
+                <a:latin typeface="Cambria" panose="02040503050406030204" pitchFamily="18" charset="0"/>
+              </a:rPr>
+              <a:t>The “</a:t>
+            </a:r>
+            <a:r>
+              <a:rPr lang="en-US" sz="2000" b="1" dirty="0" smtClean="0">
+                <a:latin typeface="Cambria" panose="02040503050406030204" pitchFamily="18" charset="0"/>
+              </a:rPr>
+              <a:t>Promotion</a:t>
+            </a:r>
+            <a:r>
+              <a:rPr lang="en-US" sz="2000" dirty="0" smtClean="0">
+                <a:latin typeface="Cambria" panose="02040503050406030204" pitchFamily="18" charset="0"/>
+              </a:rPr>
+              <a:t>” page have been added in both the “Device” and “Smart Life” multiple topics. We thought it would be confusing for the user to do not find a section containing info about the promotions, especially if the user have reached that Device or Smart Life page </a:t>
+            </a:r>
+            <a:r>
+              <a:rPr lang="en-US" sz="2000" i="1" dirty="0" smtClean="0">
+                <a:latin typeface="Cambria" panose="02040503050406030204" pitchFamily="18" charset="0"/>
+              </a:rPr>
+              <a:t>from</a:t>
+            </a:r>
+            <a:r>
+              <a:rPr lang="en-US" sz="2000" dirty="0" smtClean="0">
+                <a:latin typeface="Cambria" panose="02040503050406030204" pitchFamily="18" charset="0"/>
+              </a:rPr>
+              <a:t> the “Promotions” introductory page!</a:t>
+            </a:r>
+          </a:p>
+          <a:p>
+            <a:endParaRPr lang="en-US" sz="2000" dirty="0" smtClean="0">
+              <a:latin typeface="Cambria" panose="02040503050406030204" pitchFamily="18" charset="0"/>
+            </a:endParaRPr>
+          </a:p>
+          <a:p>
+            <a:r>
+              <a:rPr lang="en-US" sz="2000" dirty="0" smtClean="0">
+                <a:latin typeface="Cambria" panose="02040503050406030204" pitchFamily="18" charset="0"/>
+              </a:rPr>
+              <a:t>“</a:t>
+            </a:r>
+            <a:r>
+              <a:rPr lang="en-US" sz="2000" b="1" dirty="0" smtClean="0">
+                <a:latin typeface="Cambria" panose="02040503050406030204" pitchFamily="18" charset="0"/>
+              </a:rPr>
+              <a:t>Highlights</a:t>
+            </a:r>
+            <a:r>
+              <a:rPr lang="en-US" sz="2000" dirty="0" smtClean="0">
+                <a:latin typeface="Cambria" panose="02040503050406030204" pitchFamily="18" charset="0"/>
+              </a:rPr>
+              <a:t>” have been merged with the introductory page of assistance services. A list of highlighted assistance services will be shown together with the possible category of assistances. In this way, if the user is interested in receiving an assistance, (s)he might immediately find the service (s)he need.</a:t>
+            </a:r>
+          </a:p>
+        </p:txBody>
+      </p:sp>
+      <p:sp>
+        <p:nvSpPr>
+          <p:cNvPr id="4" name="Segnaposto piè di pagina 1"/>
+          <p:cNvSpPr>
+            <a:spLocks noGrp="1"/>
+          </p:cNvSpPr>
+          <p:nvPr>
+            <p:ph type="ftr" sz="quarter" idx="11"/>
+          </p:nvPr>
+        </p:nvSpPr>
+        <p:spPr>
+          <a:xfrm>
+            <a:off x="8077200" y="0"/>
+            <a:ext cx="4114800" cy="365125"/>
+          </a:xfrm>
+        </p:spPr>
+        <p:txBody>
+          <a:bodyPr/>
+          <a:lstStyle/>
+          <a:p>
+            <a:r>
+              <a:rPr lang="it-IT" dirty="0" smtClean="0"/>
+              <a:t>Alessandro Pozzi (852358), Marco Romani (852361)</a:t>
+            </a:r>
+            <a:endParaRPr lang="en-US" dirty="0"/>
+          </a:p>
+        </p:txBody>
+      </p:sp>
+    </p:spTree>
+    <p:extLst>
+      <p:ext uri="{BB962C8B-B14F-4D97-AF65-F5344CB8AC3E}">
+        <p14:creationId xmlns:p14="http://schemas.microsoft.com/office/powerpoint/2010/main" val="3662075908"/>
+      </p:ext>
+    </p:extLst>
+  </p:cSld>
+  <p:clrMapOvr>
+    <a:masterClrMapping/>
+  </p:clrMapOvr>
+  <p:timing>
+    <p:tnLst>
+      <p:par>
+        <p:cTn id="1" dur="indefinite" restart="never" nodeType="tmRoot"/>
+      </p:par>
+    </p:tnLst>
+  </p:timing>
+</p:sld>
+</file>
+
+<file path=ppt/slides/slide11.xml><?xml version="1.0" encoding="utf-8"?>
+<p:sld xmlns:a="http://schemas.openxmlformats.org/drawingml/2006/main" xmlns:r="http://schemas.openxmlformats.org/officeDocument/2006/relationships" xmlns:p="http://schemas.openxmlformats.org/presentationml/2006/main">
+  <p:cSld>
+    <p:spTree>
+      <p:nvGrpSpPr>
+        <p:cNvPr id="1" name=""/>
+        <p:cNvGrpSpPr/>
+        <p:nvPr/>
+      </p:nvGrpSpPr>
+      <p:grpSpPr>
+        <a:xfrm>
+          <a:off x="0" y="0"/>
+          <a:ext cx="0" cy="0"/>
+          <a:chOff x="0" y="0"/>
+          <a:chExt cx="0" cy="0"/>
+        </a:xfrm>
+      </p:grpSpPr>
+      <p:sp>
+        <p:nvSpPr>
+          <p:cNvPr id="5" name="Segnaposto contenuto 4"/>
+          <p:cNvSpPr>
+            <a:spLocks noGrp="1"/>
+          </p:cNvSpPr>
+          <p:nvPr>
+            <p:ph idx="1"/>
+          </p:nvPr>
+        </p:nvSpPr>
+        <p:spPr>
+          <a:xfrm>
+            <a:off x="838200" y="505098"/>
+            <a:ext cx="10515600" cy="5671866"/>
+          </a:xfrm>
+        </p:spPr>
+        <p:txBody>
+          <a:bodyPr/>
+          <a:lstStyle/>
+          <a:p>
             <a:r>
               <a:rPr lang="en-US" sz="2000" dirty="0">
                 <a:latin typeface="Cambria" panose="02040503050406030204" pitchFamily="18" charset="0"/>
@@ -3903,6 +4620,34 @@
               </a:rPr>
               <a:t>” pattern, since there is no real correlation of specification, characteristic and/or type among the set of things in promotion.</a:t>
             </a:r>
+          </a:p>
+        </p:txBody>
+      </p:sp>
+      <p:sp>
+        <p:nvSpPr>
+          <p:cNvPr id="4" name="Segnaposto piè di pagina 1"/>
+          <p:cNvSpPr>
+            <a:spLocks noGrp="1"/>
+          </p:cNvSpPr>
+          <p:nvPr>
+            <p:ph type="ftr" sz="quarter" idx="11"/>
+          </p:nvPr>
+        </p:nvSpPr>
+        <p:spPr>
+          <a:xfrm>
+            <a:off x="8077200" y="0"/>
+            <a:ext cx="4114800" cy="365125"/>
+          </a:xfrm>
+        </p:spPr>
+        <p:txBody>
+          <a:bodyPr/>
+          <a:lstStyle/>
+          <a:p>
+            <a:r>
+              <a:rPr lang="it-IT" dirty="0" smtClean="0"/>
+              <a:t>Alessandro Pozzi (852358), Marco Romani (852361)</a:t>
+            </a:r>
+            <a:endParaRPr lang="en-US" dirty="0"/>
           </a:p>
         </p:txBody>
       </p:sp>
@@ -3916,10 +4661,17 @@
   <p:clrMapOvr>
     <a:masterClrMapping/>
   </p:clrMapOvr>
+  <p:timing>
+    <p:tnLst>
+      <p:par>
+        <p:cTn id="1" dur="indefinite" restart="never" nodeType="tmRoot"/>
+      </p:par>
+    </p:tnLst>
+  </p:timing>
 </p:sld>
 </file>
 
-<file path=ppt/slides/slide11.xml><?xml version="1.0" encoding="utf-8"?>
+<file path=ppt/slides/slide12.xml><?xml version="1.0" encoding="utf-8"?>
 <p:sld xmlns:a="http://schemas.openxmlformats.org/drawingml/2006/main" xmlns:r="http://schemas.openxmlformats.org/officeDocument/2006/relationships" xmlns:p="http://schemas.openxmlformats.org/presentationml/2006/main">
   <p:cSld>
     <p:spTree>
@@ -4187,6 +4939,34 @@
           </a:prstGeom>
         </p:spPr>
       </p:pic>
+      <p:sp>
+        <p:nvSpPr>
+          <p:cNvPr id="6" name="Segnaposto piè di pagina 1"/>
+          <p:cNvSpPr>
+            <a:spLocks noGrp="1"/>
+          </p:cNvSpPr>
+          <p:nvPr>
+            <p:ph type="ftr" sz="quarter" idx="11"/>
+          </p:nvPr>
+        </p:nvSpPr>
+        <p:spPr>
+          <a:xfrm>
+            <a:off x="8077200" y="0"/>
+            <a:ext cx="4114800" cy="365125"/>
+          </a:xfrm>
+        </p:spPr>
+        <p:txBody>
+          <a:bodyPr/>
+          <a:lstStyle/>
+          <a:p>
+            <a:r>
+              <a:rPr lang="it-IT" dirty="0" smtClean="0"/>
+              <a:t>Alessandro Pozzi (852358), Marco Romani (852361)</a:t>
+            </a:r>
+            <a:endParaRPr lang="en-US" dirty="0"/>
+          </a:p>
+        </p:txBody>
+      </p:sp>
     </p:spTree>
     <p:extLst>
       <p:ext uri="{BB962C8B-B14F-4D97-AF65-F5344CB8AC3E}">
@@ -4197,194 +4977,13 @@
   <p:clrMapOvr>
     <a:masterClrMapping/>
   </p:clrMapOvr>
-</p:sld>
-</file>
-
-<file path=ppt/slides/slide12.xml><?xml version="1.0" encoding="utf-8"?>
-<p:sld xmlns:a="http://schemas.openxmlformats.org/drawingml/2006/main" xmlns:r="http://schemas.openxmlformats.org/officeDocument/2006/relationships" xmlns:p="http://schemas.openxmlformats.org/presentationml/2006/main">
-  <p:cSld>
-    <p:spTree>
-      <p:nvGrpSpPr>
-        <p:cNvPr id="1" name=""/>
-        <p:cNvGrpSpPr/>
-        <p:nvPr/>
-      </p:nvGrpSpPr>
-      <p:grpSpPr>
-        <a:xfrm>
-          <a:off x="0" y="0"/>
-          <a:ext cx="0" cy="0"/>
-          <a:chOff x="0" y="0"/>
-          <a:chExt cx="0" cy="0"/>
-        </a:xfrm>
-      </p:grpSpPr>
-      <p:sp>
-        <p:nvSpPr>
-          <p:cNvPr id="5" name="Segnaposto contenuto 4"/>
-          <p:cNvSpPr>
-            <a:spLocks noGrp="1"/>
-          </p:cNvSpPr>
-          <p:nvPr>
-            <p:ph idx="1"/>
-          </p:nvPr>
-        </p:nvSpPr>
-        <p:spPr>
-          <a:xfrm>
-            <a:off x="838200" y="661851"/>
-            <a:ext cx="10515600" cy="5617030"/>
-          </a:xfrm>
-        </p:spPr>
-        <p:txBody>
-          <a:bodyPr>
-            <a:normAutofit fontScale="62500" lnSpcReduction="20000"/>
-          </a:bodyPr>
-          <a:lstStyle/>
-          <a:p>
-            <a:pPr marL="0" indent="0">
-              <a:buNone/>
-            </a:pPr>
-            <a:r>
-              <a:rPr lang="it-IT" sz="3600" b="1" dirty="0" smtClean="0">
-                <a:latin typeface="Cambria" panose="02040503050406030204" pitchFamily="18" charset="0"/>
-              </a:rPr>
-              <a:t>Notes </a:t>
-            </a:r>
-            <a:r>
-              <a:rPr lang="it-IT" sz="3600" b="1" dirty="0" err="1" smtClean="0">
-                <a:latin typeface="Cambria" panose="02040503050406030204" pitchFamily="18" charset="0"/>
-              </a:rPr>
-              <a:t>about</a:t>
-            </a:r>
-            <a:r>
-              <a:rPr lang="it-IT" sz="3600" b="1" dirty="0" smtClean="0">
-                <a:latin typeface="Cambria" panose="02040503050406030204" pitchFamily="18" charset="0"/>
-              </a:rPr>
-              <a:t> </a:t>
-            </a:r>
-            <a:r>
-              <a:rPr lang="it-IT" sz="3600" b="1" dirty="0">
-                <a:latin typeface="Cambria" panose="02040503050406030204" pitchFamily="18" charset="0"/>
-              </a:rPr>
-              <a:t>the </a:t>
-            </a:r>
-            <a:r>
-              <a:rPr lang="it-IT" sz="3600" b="1" dirty="0" err="1" smtClean="0">
-                <a:latin typeface="Cambria" panose="02040503050406030204" pitchFamily="18" charset="0"/>
-              </a:rPr>
-              <a:t>mockups</a:t>
-            </a:r>
-            <a:endParaRPr lang="it-IT" sz="3600" b="1" dirty="0" smtClean="0">
-              <a:latin typeface="Cambria" panose="02040503050406030204" pitchFamily="18" charset="0"/>
-            </a:endParaRPr>
-          </a:p>
-          <a:p>
-            <a:pPr marL="0" indent="0">
-              <a:buNone/>
-            </a:pPr>
-            <a:endParaRPr lang="it-IT" sz="3500" dirty="0" smtClean="0"/>
-          </a:p>
-          <a:p>
-            <a:r>
-              <a:rPr lang="en-US" sz="3200" dirty="0" smtClean="0">
-                <a:latin typeface="Cambria" panose="02040503050406030204" pitchFamily="18" charset="0"/>
-              </a:rPr>
-              <a:t>Since the number of possible navigation paths would make the number of static mock up pages increase exponentially, we decided to </a:t>
-            </a:r>
-            <a:r>
-              <a:rPr lang="en-US" sz="3200" b="1" dirty="0" smtClean="0">
-                <a:latin typeface="Cambria" panose="02040503050406030204" pitchFamily="18" charset="0"/>
-              </a:rPr>
-              <a:t>disable</a:t>
-            </a:r>
-            <a:r>
-              <a:rPr lang="en-US" sz="3200" dirty="0" smtClean="0">
-                <a:latin typeface="Cambria" panose="02040503050406030204" pitchFamily="18" charset="0"/>
-              </a:rPr>
-              <a:t> a considerable amount of </a:t>
-            </a:r>
-            <a:r>
-              <a:rPr lang="en-US" sz="3200" b="1" dirty="0" smtClean="0">
-                <a:latin typeface="Cambria" panose="02040503050406030204" pitchFamily="18" charset="0"/>
-              </a:rPr>
-              <a:t>links</a:t>
-            </a:r>
-            <a:r>
-              <a:rPr lang="en-US" sz="3200" dirty="0" smtClean="0">
-                <a:latin typeface="Cambria" panose="02040503050406030204" pitchFamily="18" charset="0"/>
-              </a:rPr>
-              <a:t>. However, each ‘’type of link’’ is available at least in one instance of the replicated pages. In particular, for the multiple topics, we suggest to follow the path ‘’categories-categoryX-topic1’’ which should provide an example of all functionalities. </a:t>
-            </a:r>
-          </a:p>
-          <a:p>
-            <a:pPr marL="0" indent="0">
-              <a:buNone/>
-            </a:pPr>
-            <a:endParaRPr lang="en-US" sz="3200" dirty="0" smtClean="0">
-              <a:latin typeface="Cambria" panose="02040503050406030204" pitchFamily="18" charset="0"/>
-            </a:endParaRPr>
-          </a:p>
-          <a:p>
-            <a:r>
-              <a:rPr lang="en-US" sz="3200" dirty="0" smtClean="0">
-                <a:latin typeface="Cambria" panose="02040503050406030204" pitchFamily="18" charset="0"/>
-              </a:rPr>
-              <a:t>There is no complete </a:t>
-            </a:r>
-            <a:r>
-              <a:rPr lang="en-US" sz="3200" b="1" dirty="0" smtClean="0">
-                <a:latin typeface="Cambria" panose="02040503050406030204" pitchFamily="18" charset="0"/>
-              </a:rPr>
-              <a:t>coherence</a:t>
-            </a:r>
-            <a:r>
-              <a:rPr lang="en-US" sz="3200" dirty="0" smtClean="0">
-                <a:latin typeface="Cambria" panose="02040503050406030204" pitchFamily="18" charset="0"/>
-              </a:rPr>
-              <a:t> between the group pages and their content. For example we called the multiple group pages ‘’</a:t>
-            </a:r>
-            <a:r>
-              <a:rPr lang="en-US" sz="3200" dirty="0" err="1">
-                <a:latin typeface="Cambria" panose="02040503050406030204" pitchFamily="18" charset="0"/>
-              </a:rPr>
-              <a:t>C</a:t>
-            </a:r>
-            <a:r>
-              <a:rPr lang="en-US" sz="3200" dirty="0" err="1" smtClean="0">
-                <a:latin typeface="Cambria" panose="02040503050406030204" pitchFamily="18" charset="0"/>
-              </a:rPr>
-              <a:t>ategoryX</a:t>
-            </a:r>
-            <a:r>
-              <a:rPr lang="en-US" sz="3200" dirty="0" smtClean="0">
-                <a:latin typeface="Cambria" panose="02040503050406030204" pitchFamily="18" charset="0"/>
-              </a:rPr>
-              <a:t>’’ which means that it might not represent an actual category and sometimes we put in it mixed content from the real categories. We made this choice because we wanted to take the content with best material from the web and because we think that the important part here is the structure of the pages, not the actual content.</a:t>
-            </a:r>
-          </a:p>
-          <a:p>
-            <a:endParaRPr lang="en-US" sz="3200" dirty="0" smtClean="0">
-              <a:latin typeface="Cambria" panose="02040503050406030204" pitchFamily="18" charset="0"/>
-            </a:endParaRPr>
-          </a:p>
-          <a:p>
-            <a:r>
-              <a:rPr lang="en-US" sz="3200" dirty="0" smtClean="0">
-                <a:latin typeface="Cambria" panose="02040503050406030204" pitchFamily="18" charset="0"/>
-              </a:rPr>
-              <a:t>For the same reason we created some transition pages associating products that in reality might not have any connection, especially  in the case of Assistance Services that in the TIM website have no connections with anything.</a:t>
-            </a:r>
-          </a:p>
-        </p:txBody>
-      </p:sp>
-    </p:spTree>
-    <p:extLst>
-      <p:ext uri="{BB962C8B-B14F-4D97-AF65-F5344CB8AC3E}">
-        <p14:creationId xmlns:p14="http://schemas.microsoft.com/office/powerpoint/2010/main" val="2085073044"/>
-      </p:ext>
-    </p:extLst>
-  </p:cSld>
-  <p:clrMapOvr>
-    <a:masterClrMapping/>
-  </p:clrMapOvr>
+  <p:timing>
+    <p:tnLst>
+      <p:par>
+        <p:cTn id="1" dur="indefinite" restart="never" nodeType="tmRoot"/>
+      </p:par>
+    </p:tnLst>
+  </p:timing>
 </p:sld>
 </file>
 
@@ -4407,6 +5006,287 @@
       </p:grpSpPr>
       <p:sp>
         <p:nvSpPr>
+          <p:cNvPr id="5" name="Segnaposto contenuto 4"/>
+          <p:cNvSpPr>
+            <a:spLocks noGrp="1"/>
+          </p:cNvSpPr>
+          <p:nvPr>
+            <p:ph idx="1"/>
+          </p:nvPr>
+        </p:nvSpPr>
+        <p:spPr>
+          <a:xfrm>
+            <a:off x="838200" y="661851"/>
+            <a:ext cx="10515600" cy="5617030"/>
+          </a:xfrm>
+        </p:spPr>
+        <p:txBody>
+          <a:bodyPr>
+            <a:normAutofit fontScale="62500" lnSpcReduction="20000"/>
+          </a:bodyPr>
+          <a:lstStyle/>
+          <a:p>
+            <a:pPr marL="0" indent="0">
+              <a:buNone/>
+            </a:pPr>
+            <a:r>
+              <a:rPr lang="it-IT" sz="3600" b="1" dirty="0" smtClean="0">
+                <a:latin typeface="Cambria" panose="02040503050406030204" pitchFamily="18" charset="0"/>
+              </a:rPr>
+              <a:t>Notes </a:t>
+            </a:r>
+            <a:r>
+              <a:rPr lang="it-IT" sz="3600" b="1" dirty="0" err="1" smtClean="0">
+                <a:latin typeface="Cambria" panose="02040503050406030204" pitchFamily="18" charset="0"/>
+              </a:rPr>
+              <a:t>about</a:t>
+            </a:r>
+            <a:r>
+              <a:rPr lang="it-IT" sz="3600" b="1" dirty="0" smtClean="0">
+                <a:latin typeface="Cambria" panose="02040503050406030204" pitchFamily="18" charset="0"/>
+              </a:rPr>
+              <a:t> </a:t>
+            </a:r>
+            <a:r>
+              <a:rPr lang="it-IT" sz="3600" b="1" dirty="0">
+                <a:latin typeface="Cambria" panose="02040503050406030204" pitchFamily="18" charset="0"/>
+              </a:rPr>
+              <a:t>the </a:t>
+            </a:r>
+            <a:r>
+              <a:rPr lang="it-IT" sz="3600" b="1" dirty="0" err="1" smtClean="0">
+                <a:latin typeface="Cambria" panose="02040503050406030204" pitchFamily="18" charset="0"/>
+              </a:rPr>
+              <a:t>mockups</a:t>
+            </a:r>
+            <a:endParaRPr lang="it-IT" sz="3600" b="1" dirty="0" smtClean="0">
+              <a:latin typeface="Cambria" panose="02040503050406030204" pitchFamily="18" charset="0"/>
+            </a:endParaRPr>
+          </a:p>
+          <a:p>
+            <a:pPr marL="0" indent="0">
+              <a:buNone/>
+            </a:pPr>
+            <a:endParaRPr lang="it-IT" sz="3500" dirty="0" smtClean="0"/>
+          </a:p>
+          <a:p>
+            <a:r>
+              <a:rPr lang="en-US" sz="3200" dirty="0" smtClean="0">
+                <a:latin typeface="Cambria" panose="02040503050406030204" pitchFamily="18" charset="0"/>
+              </a:rPr>
+              <a:t>Since the number of possible navigation paths would make the number of static mock up pages increase exponentially, we decided to </a:t>
+            </a:r>
+            <a:r>
+              <a:rPr lang="en-US" sz="3200" b="1" dirty="0" smtClean="0">
+                <a:latin typeface="Cambria" panose="02040503050406030204" pitchFamily="18" charset="0"/>
+              </a:rPr>
+              <a:t>disable</a:t>
+            </a:r>
+            <a:r>
+              <a:rPr lang="en-US" sz="3200" dirty="0" smtClean="0">
+                <a:latin typeface="Cambria" panose="02040503050406030204" pitchFamily="18" charset="0"/>
+              </a:rPr>
+              <a:t> a considerable amount of </a:t>
+            </a:r>
+            <a:r>
+              <a:rPr lang="en-US" sz="3200" b="1" dirty="0" smtClean="0">
+                <a:latin typeface="Cambria" panose="02040503050406030204" pitchFamily="18" charset="0"/>
+              </a:rPr>
+              <a:t>links</a:t>
+            </a:r>
+            <a:r>
+              <a:rPr lang="en-US" sz="3200" dirty="0" smtClean="0">
+                <a:latin typeface="Cambria" panose="02040503050406030204" pitchFamily="18" charset="0"/>
+              </a:rPr>
+              <a:t>. However, each ‘’type of link’’ is available at least in one instance of the replicated pages. In particular, for the multiple topics, we suggest to follow the path ‘’categories-categoryX-topic1’’ which should provide an example of all functionalities. </a:t>
+            </a:r>
+            <a:endParaRPr lang="en-US" sz="3200" dirty="0" smtClean="0">
+              <a:latin typeface="Cambria" panose="02040503050406030204" pitchFamily="18" charset="0"/>
+            </a:endParaRPr>
+          </a:p>
+          <a:p>
+            <a:endParaRPr lang="en-US" sz="3200" dirty="0" smtClean="0">
+              <a:latin typeface="Cambria" panose="02040503050406030204" pitchFamily="18" charset="0"/>
+            </a:endParaRPr>
+          </a:p>
+          <a:p>
+            <a:endParaRPr lang="en-US" sz="3200" dirty="0">
+              <a:latin typeface="Cambria" panose="02040503050406030204" pitchFamily="18" charset="0"/>
+            </a:endParaRPr>
+          </a:p>
+          <a:p>
+            <a:r>
+              <a:rPr lang="en-US" sz="3200" dirty="0">
+                <a:latin typeface="Cambria" panose="02040503050406030204" pitchFamily="18" charset="0"/>
+              </a:rPr>
+              <a:t>We put in </a:t>
+            </a:r>
+            <a:r>
+              <a:rPr lang="en-US" sz="3200" b="1" dirty="0">
+                <a:solidFill>
+                  <a:srgbClr val="FF0000"/>
+                </a:solidFill>
+                <a:latin typeface="Cambria" panose="02040503050406030204" pitchFamily="18" charset="0"/>
+              </a:rPr>
+              <a:t>red</a:t>
+            </a:r>
+            <a:r>
+              <a:rPr lang="en-US" sz="3200" dirty="0">
+                <a:solidFill>
+                  <a:srgbClr val="FF0000"/>
+                </a:solidFill>
+                <a:latin typeface="Cambria" panose="02040503050406030204" pitchFamily="18" charset="0"/>
+              </a:rPr>
+              <a:t> </a:t>
+            </a:r>
+            <a:r>
+              <a:rPr lang="en-US" sz="3200" dirty="0">
+                <a:latin typeface="Cambria" panose="02040503050406030204" pitchFamily="18" charset="0"/>
+              </a:rPr>
+              <a:t>the </a:t>
+            </a:r>
+            <a:r>
+              <a:rPr lang="en-US" sz="3200" b="1" dirty="0">
+                <a:latin typeface="Cambria" panose="02040503050406030204" pitchFamily="18" charset="0"/>
+              </a:rPr>
+              <a:t>links</a:t>
+            </a:r>
+            <a:r>
+              <a:rPr lang="en-US" sz="3200" dirty="0">
+                <a:latin typeface="Cambria" panose="02040503050406030204" pitchFamily="18" charset="0"/>
+              </a:rPr>
+              <a:t> that should appear in a page, but are not active in the mock ups.</a:t>
+            </a:r>
+          </a:p>
+          <a:p>
+            <a:endParaRPr lang="en-US" sz="3200" dirty="0" smtClean="0">
+              <a:latin typeface="Cambria" panose="02040503050406030204" pitchFamily="18" charset="0"/>
+            </a:endParaRPr>
+          </a:p>
+          <a:p>
+            <a:endParaRPr lang="en-US" sz="3200" dirty="0" smtClean="0">
+              <a:latin typeface="Cambria" panose="02040503050406030204" pitchFamily="18" charset="0"/>
+            </a:endParaRPr>
+          </a:p>
+          <a:p>
+            <a:r>
+              <a:rPr lang="en-US" sz="3200" dirty="0">
+                <a:latin typeface="Cambria" panose="02040503050406030204" pitchFamily="18" charset="0"/>
+              </a:rPr>
+              <a:t>The Assistance Services’ </a:t>
+            </a:r>
+            <a:r>
+              <a:rPr lang="en-US" sz="3200" b="1" dirty="0">
+                <a:latin typeface="Cambria" panose="02040503050406030204" pitchFamily="18" charset="0"/>
+              </a:rPr>
+              <a:t>content</a:t>
+            </a:r>
+            <a:r>
+              <a:rPr lang="en-US" sz="3200" dirty="0">
+                <a:latin typeface="Cambria" panose="02040503050406030204" pitchFamily="18" charset="0"/>
+              </a:rPr>
+              <a:t> has been </a:t>
+            </a:r>
+            <a:r>
+              <a:rPr lang="en-US" sz="3200" b="1" dirty="0">
+                <a:latin typeface="Cambria" panose="02040503050406030204" pitchFamily="18" charset="0"/>
+              </a:rPr>
+              <a:t>simplified</a:t>
+            </a:r>
+            <a:r>
+              <a:rPr lang="en-US" sz="3200" dirty="0">
+                <a:latin typeface="Cambria" panose="02040503050406030204" pitchFamily="18" charset="0"/>
+              </a:rPr>
+              <a:t> compared to the one on TIM website because it had a very deep and complex structure that would have been infeasible to represent in the mockups. Same thing for the single topics which had a lot more (confusing) content w.r.t the one indicated in the specification.</a:t>
+            </a:r>
+          </a:p>
+          <a:p>
+            <a:endParaRPr lang="en-US" sz="3200" dirty="0" smtClean="0">
+              <a:latin typeface="Cambria" panose="02040503050406030204" pitchFamily="18" charset="0"/>
+            </a:endParaRPr>
+          </a:p>
+          <a:p>
+            <a:pPr marL="0" indent="0">
+              <a:buNone/>
+            </a:pPr>
+            <a:endParaRPr lang="en-US" sz="3200" dirty="0" smtClean="0">
+              <a:latin typeface="Cambria" panose="02040503050406030204" pitchFamily="18" charset="0"/>
+            </a:endParaRPr>
+          </a:p>
+          <a:p>
+            <a:endParaRPr lang="en-US" sz="3200" dirty="0" smtClean="0">
+              <a:latin typeface="Cambria" panose="02040503050406030204" pitchFamily="18" charset="0"/>
+            </a:endParaRPr>
+          </a:p>
+        </p:txBody>
+      </p:sp>
+      <p:sp>
+        <p:nvSpPr>
+          <p:cNvPr id="4" name="Segnaposto piè di pagina 1"/>
+          <p:cNvSpPr>
+            <a:spLocks noGrp="1"/>
+          </p:cNvSpPr>
+          <p:nvPr>
+            <p:ph type="ftr" sz="quarter" idx="11"/>
+          </p:nvPr>
+        </p:nvSpPr>
+        <p:spPr>
+          <a:xfrm>
+            <a:off x="8077200" y="0"/>
+            <a:ext cx="4114800" cy="365125"/>
+          </a:xfrm>
+        </p:spPr>
+        <p:txBody>
+          <a:bodyPr/>
+          <a:lstStyle/>
+          <a:p>
+            <a:r>
+              <a:rPr lang="it-IT" dirty="0" smtClean="0"/>
+              <a:t>Alessandro Pozzi (852358), Marco Romani (852361)</a:t>
+            </a:r>
+            <a:endParaRPr lang="en-US" dirty="0"/>
+          </a:p>
+        </p:txBody>
+      </p:sp>
+    </p:spTree>
+    <p:extLst>
+      <p:ext uri="{BB962C8B-B14F-4D97-AF65-F5344CB8AC3E}">
+        <p14:creationId xmlns:p14="http://schemas.microsoft.com/office/powerpoint/2010/main" val="2085073044"/>
+      </p:ext>
+    </p:extLst>
+  </p:cSld>
+  <p:clrMapOvr>
+    <a:masterClrMapping/>
+  </p:clrMapOvr>
+  <p:timing>
+    <p:tnLst>
+      <p:par>
+        <p:cTn id="1" dur="indefinite" restart="never" nodeType="tmRoot"/>
+      </p:par>
+    </p:tnLst>
+  </p:timing>
+</p:sld>
+</file>
+
+<file path=ppt/slides/slide14.xml><?xml version="1.0" encoding="utf-8"?>
+<p:sld xmlns:a="http://schemas.openxmlformats.org/drawingml/2006/main" xmlns:r="http://schemas.openxmlformats.org/officeDocument/2006/relationships" xmlns:p="http://schemas.openxmlformats.org/presentationml/2006/main">
+  <p:cSld>
+    <p:spTree>
+      <p:nvGrpSpPr>
+        <p:cNvPr id="1" name=""/>
+        <p:cNvGrpSpPr/>
+        <p:nvPr/>
+      </p:nvGrpSpPr>
+      <p:grpSpPr>
+        <a:xfrm>
+          <a:off x="0" y="0"/>
+          <a:ext cx="0" cy="0"/>
+          <a:chOff x="0" y="0"/>
+          <a:chExt cx="0" cy="0"/>
+        </a:xfrm>
+      </p:grpSpPr>
+      <p:sp>
+        <p:nvSpPr>
           <p:cNvPr id="3" name="Segnaposto contenuto 2"/>
           <p:cNvSpPr>
             <a:spLocks noGrp="1"/>
@@ -4427,36 +5307,85 @@
           </a:bodyPr>
           <a:lstStyle/>
           <a:p>
+            <a:endParaRPr lang="en-US" sz="2400" dirty="0">
+              <a:latin typeface="Cambria" panose="02040503050406030204" pitchFamily="18" charset="0"/>
+            </a:endParaRPr>
+          </a:p>
+          <a:p>
             <a:r>
               <a:rPr lang="en-US" sz="2400" dirty="0">
                 <a:latin typeface="Cambria" panose="02040503050406030204" pitchFamily="18" charset="0"/>
               </a:rPr>
-              <a:t>The Assistance Services’ </a:t>
+              <a:t>There is no complete </a:t>
             </a:r>
             <a:r>
               <a:rPr lang="en-US" sz="2400" b="1" dirty="0">
                 <a:latin typeface="Cambria" panose="02040503050406030204" pitchFamily="18" charset="0"/>
               </a:rPr>
-              <a:t>content</a:t>
+              <a:t>coherence</a:t>
             </a:r>
             <a:r>
               <a:rPr lang="en-US" sz="2400" dirty="0">
                 <a:latin typeface="Cambria" panose="02040503050406030204" pitchFamily="18" charset="0"/>
               </a:rPr>
-              <a:t> has been </a:t>
-            </a:r>
-            <a:r>
-              <a:rPr lang="en-US" sz="2400" b="1" dirty="0">
+              <a:t> between the group pages and their content. For example we called the multiple group pages ‘’</a:t>
+            </a:r>
+            <a:r>
+              <a:rPr lang="en-US" sz="2400" dirty="0" err="1">
                 <a:latin typeface="Cambria" panose="02040503050406030204" pitchFamily="18" charset="0"/>
               </a:rPr>
-              <a:t>simplified</a:t>
+              <a:t>CategoryX</a:t>
             </a:r>
             <a:r>
               <a:rPr lang="en-US" sz="2400" dirty="0">
                 <a:latin typeface="Cambria" panose="02040503050406030204" pitchFamily="18" charset="0"/>
               </a:rPr>
-              <a:t> compared to the one on TIM website because it had a very deep and complex structure that would have been infeasible to represent in the mockups. Same thing for the single topics which had a lot more (confusing) content w.r.t the one indicated in the specification.</a:t>
-            </a:r>
+              <a:t>’’ which means that it might not represent an actual category and sometimes we put in it mixed content from the real categories. We made this choice because we wanted to take the content with best material from the web and because we think that the important part here is the structure of the pages, not the actual content</a:t>
+            </a:r>
+            <a:r>
+              <a:rPr lang="en-US" sz="2400" dirty="0" smtClean="0">
+                <a:latin typeface="Cambria" panose="02040503050406030204" pitchFamily="18" charset="0"/>
+              </a:rPr>
+              <a:t>.</a:t>
+            </a:r>
+          </a:p>
+          <a:p>
+            <a:endParaRPr lang="en-US" sz="2400" dirty="0" smtClean="0">
+              <a:latin typeface="Cambria" panose="02040503050406030204" pitchFamily="18" charset="0"/>
+            </a:endParaRPr>
+          </a:p>
+          <a:p>
+            <a:endParaRPr lang="en-US" sz="2400" dirty="0">
+              <a:latin typeface="Cambria" panose="02040503050406030204" pitchFamily="18" charset="0"/>
+            </a:endParaRPr>
+          </a:p>
+          <a:p>
+            <a:r>
+              <a:rPr lang="en-US" sz="2400" dirty="0" smtClean="0">
+                <a:latin typeface="Cambria" panose="02040503050406030204" pitchFamily="18" charset="0"/>
+              </a:rPr>
+              <a:t>For </a:t>
+            </a:r>
+            <a:r>
+              <a:rPr lang="en-US" sz="2400" dirty="0">
+                <a:latin typeface="Cambria" panose="02040503050406030204" pitchFamily="18" charset="0"/>
+              </a:rPr>
+              <a:t>the same reason we created some transition pages associating products that in reality might not have any connection, especially  in the case of Assistance Services that in the TIM website have no connections with anything</a:t>
+            </a:r>
+            <a:r>
+              <a:rPr lang="en-US" sz="2400" dirty="0" smtClean="0">
+                <a:latin typeface="Cambria" panose="02040503050406030204" pitchFamily="18" charset="0"/>
+              </a:rPr>
+              <a:t>.</a:t>
+            </a:r>
+            <a:endParaRPr lang="en-US" sz="2400" dirty="0">
+              <a:latin typeface="Cambria" panose="02040503050406030204" pitchFamily="18" charset="0"/>
+            </a:endParaRPr>
+          </a:p>
+          <a:p>
+            <a:endParaRPr lang="en-US" sz="2400" dirty="0" smtClean="0">
+              <a:latin typeface="Cambria" panose="02040503050406030204" pitchFamily="18" charset="0"/>
+            </a:endParaRPr>
           </a:p>
           <a:p>
             <a:endParaRPr lang="en-US" sz="2400" dirty="0">
@@ -4504,39 +5433,35 @@
             </a:endParaRPr>
           </a:p>
           <a:p>
-            <a:r>
-              <a:rPr lang="en-US" sz="2400" dirty="0">
-                <a:latin typeface="Cambria" panose="02040503050406030204" pitchFamily="18" charset="0"/>
-              </a:rPr>
-              <a:t>We put in </a:t>
-            </a:r>
-            <a:r>
-              <a:rPr lang="en-US" sz="2400" b="1" dirty="0">
-                <a:latin typeface="Cambria" panose="02040503050406030204" pitchFamily="18" charset="0"/>
-              </a:rPr>
-              <a:t>red</a:t>
-            </a:r>
-            <a:r>
-              <a:rPr lang="en-US" sz="2400" dirty="0">
-                <a:latin typeface="Cambria" panose="02040503050406030204" pitchFamily="18" charset="0"/>
-              </a:rPr>
-              <a:t> the </a:t>
-            </a:r>
-            <a:r>
-              <a:rPr lang="en-US" sz="2400" b="1" dirty="0">
-                <a:latin typeface="Cambria" panose="02040503050406030204" pitchFamily="18" charset="0"/>
-              </a:rPr>
-              <a:t>links</a:t>
-            </a:r>
-            <a:r>
-              <a:rPr lang="en-US" sz="2400" dirty="0">
-                <a:latin typeface="Cambria" panose="02040503050406030204" pitchFamily="18" charset="0"/>
-              </a:rPr>
-              <a:t> that should appear in a page, but are not active in the mock ups.</a:t>
-            </a:r>
-          </a:p>
-          <a:p>
             <a:endParaRPr lang="it-IT" dirty="0"/>
+          </a:p>
+        </p:txBody>
+      </p:sp>
+      <p:sp>
+        <p:nvSpPr>
+          <p:cNvPr id="4" name="Segnaposto piè di pagina 1"/>
+          <p:cNvSpPr>
+            <a:spLocks noGrp="1"/>
+          </p:cNvSpPr>
+          <p:nvPr>
+            <p:ph type="ftr" sz="quarter" idx="11"/>
+          </p:nvPr>
+        </p:nvSpPr>
+        <p:spPr>
+          <a:xfrm>
+            <a:off x="8077200" y="0"/>
+            <a:ext cx="4114800" cy="365125"/>
+          </a:xfrm>
+        </p:spPr>
+        <p:txBody>
+          <a:bodyPr/>
+          <a:lstStyle/>
+          <a:p>
+            <a:r>
+              <a:rPr lang="it-IT" dirty="0" smtClean="0"/>
+              <a:t>Alessandro Pozzi (852358), Marco Romani (852361)</a:t>
+            </a:r>
+            <a:endParaRPr lang="en-US" dirty="0"/>
           </a:p>
         </p:txBody>
       </p:sp>
@@ -4550,6 +5475,13 @@
   <p:clrMapOvr>
     <a:masterClrMapping/>
   </p:clrMapOvr>
+  <p:timing>
+    <p:tnLst>
+      <p:par>
+        <p:cTn id="1" dur="indefinite" restart="never" nodeType="tmRoot"/>
+      </p:par>
+    </p:tnLst>
+  </p:timing>
 </p:sld>
 </file>
 
@@ -4572,6 +5504,33 @@
       </p:grpSpPr>
       <p:sp>
         <p:nvSpPr>
+          <p:cNvPr id="2" name="Titolo 1"/>
+          <p:cNvSpPr>
+            <a:spLocks noGrp="1"/>
+          </p:cNvSpPr>
+          <p:nvPr>
+            <p:ph type="title"/>
+          </p:nvPr>
+        </p:nvSpPr>
+        <p:spPr/>
+        <p:txBody>
+          <a:bodyPr/>
+          <a:lstStyle/>
+          <a:p>
+            <a:r>
+              <a:rPr lang="en-US" b="1" dirty="0" smtClean="0">
+                <a:latin typeface="Cambria" panose="02040503050406030204" pitchFamily="18" charset="0"/>
+              </a:rPr>
+              <a:t>Introduction</a:t>
+            </a:r>
+            <a:endParaRPr lang="en-US" b="1" dirty="0">
+              <a:latin typeface="Cambria" panose="02040503050406030204" pitchFamily="18" charset="0"/>
+            </a:endParaRPr>
+          </a:p>
+        </p:txBody>
+      </p:sp>
+      <p:sp>
+        <p:nvSpPr>
           <p:cNvPr id="3" name="Segnaposto contenuto 2"/>
           <p:cNvSpPr>
             <a:spLocks noGrp="1"/>
@@ -4580,6 +5539,126 @@
             <p:ph idx="1"/>
           </p:nvPr>
         </p:nvSpPr>
+        <p:spPr/>
+        <p:txBody>
+          <a:bodyPr>
+            <a:normAutofit/>
+          </a:bodyPr>
+          <a:lstStyle/>
+          <a:p>
+            <a:pPr marL="0" indent="0">
+              <a:buNone/>
+            </a:pPr>
+            <a:r>
+              <a:rPr lang="en-US" sz="2400" dirty="0" smtClean="0">
+                <a:latin typeface="Cambria" panose="02040503050406030204" pitchFamily="18" charset="0"/>
+              </a:rPr>
+              <a:t>The first section of this document contains the C/L/P IDM diagrams for the Hypermedia Applications project, along with some notes about the notation used and the decisions that have been taken. </a:t>
+            </a:r>
+          </a:p>
+          <a:p>
+            <a:pPr marL="0" indent="0">
+              <a:buNone/>
+            </a:pPr>
+            <a:r>
+              <a:rPr lang="en-US" sz="2400" dirty="0" smtClean="0">
+                <a:latin typeface="Cambria" panose="02040503050406030204" pitchFamily="18" charset="0"/>
+              </a:rPr>
+              <a:t>In the second and last section, the general structure of the Mock-up pages is shown. Here are provided some comments that should be read </a:t>
+            </a:r>
+            <a:r>
+              <a:rPr lang="en-US" sz="2400" dirty="0">
+                <a:latin typeface="Cambria" panose="02040503050406030204" pitchFamily="18" charset="0"/>
+              </a:rPr>
+              <a:t>before </a:t>
+            </a:r>
+            <a:r>
+              <a:rPr lang="en-US" sz="2400" dirty="0" smtClean="0">
+                <a:latin typeface="Cambria" panose="02040503050406030204" pitchFamily="18" charset="0"/>
+              </a:rPr>
+              <a:t>looking into the interactive mock-up.</a:t>
+            </a:r>
+            <a:endParaRPr lang="en-US" sz="2400" dirty="0">
+              <a:latin typeface="Cambria" panose="02040503050406030204" pitchFamily="18" charset="0"/>
+            </a:endParaRPr>
+          </a:p>
+        </p:txBody>
+      </p:sp>
+      <p:sp>
+        <p:nvSpPr>
+          <p:cNvPr id="4" name="Segnaposto piè di pagina 1"/>
+          <p:cNvSpPr>
+            <a:spLocks noGrp="1"/>
+          </p:cNvSpPr>
+          <p:nvPr>
+            <p:ph type="ftr" sz="quarter" idx="11"/>
+          </p:nvPr>
+        </p:nvSpPr>
+        <p:spPr>
+          <a:xfrm>
+            <a:off x="8077200" y="0"/>
+            <a:ext cx="4114800" cy="365125"/>
+          </a:xfrm>
+        </p:spPr>
+        <p:txBody>
+          <a:bodyPr/>
+          <a:lstStyle/>
+          <a:p>
+            <a:r>
+              <a:rPr lang="it-IT" dirty="0" smtClean="0"/>
+              <a:t>Alessandro Pozzi (852358), Marco Romani (852361)</a:t>
+            </a:r>
+            <a:endParaRPr lang="en-US" dirty="0"/>
+          </a:p>
+        </p:txBody>
+      </p:sp>
+    </p:spTree>
+    <p:extLst>
+      <p:ext uri="{BB962C8B-B14F-4D97-AF65-F5344CB8AC3E}">
+        <p14:creationId xmlns:p14="http://schemas.microsoft.com/office/powerpoint/2010/main" val="286839951"/>
+      </p:ext>
+    </p:extLst>
+  </p:cSld>
+  <p:clrMapOvr>
+    <a:masterClrMapping/>
+  </p:clrMapOvr>
+  <p:timing>
+    <p:tnLst>
+      <p:par>
+        <p:cTn id="1" dur="indefinite" restart="never" nodeType="tmRoot"/>
+      </p:par>
+    </p:tnLst>
+  </p:timing>
+</p:sld>
+</file>
+
+<file path=ppt/slides/slide3.xml><?xml version="1.0" encoding="utf-8"?>
+<p:sld xmlns:a="http://schemas.openxmlformats.org/drawingml/2006/main" xmlns:r="http://schemas.openxmlformats.org/officeDocument/2006/relationships" xmlns:p="http://schemas.openxmlformats.org/presentationml/2006/main">
+  <p:cSld>
+    <p:spTree>
+      <p:nvGrpSpPr>
+        <p:cNvPr id="1" name=""/>
+        <p:cNvGrpSpPr/>
+        <p:nvPr/>
+      </p:nvGrpSpPr>
+      <p:grpSpPr>
+        <a:xfrm>
+          <a:off x="0" y="0"/>
+          <a:ext cx="0" cy="0"/>
+          <a:chOff x="0" y="0"/>
+          <a:chExt cx="0" cy="0"/>
+        </a:xfrm>
+      </p:grpSpPr>
+      <p:sp>
+        <p:nvSpPr>
+          <p:cNvPr id="3" name="Segnaposto contenuto 2"/>
+          <p:cNvSpPr>
+            <a:spLocks noGrp="1"/>
+          </p:cNvSpPr>
+          <p:nvPr>
+            <p:ph idx="1"/>
+          </p:nvPr>
+        </p:nvSpPr>
         <p:spPr>
           <a:xfrm>
             <a:off x="873035" y="745762"/>
@@ -4604,7 +5683,39 @@
             </a:endParaRPr>
           </a:p>
           <a:p>
-            <a:endParaRPr lang="en-US" b="1" dirty="0" smtClean="0">
+            <a:pPr marL="0" indent="0">
+              <a:buNone/>
+            </a:pPr>
+            <a:endParaRPr lang="en-US" sz="2400" dirty="0" smtClean="0">
+              <a:latin typeface="Cambria" panose="02040503050406030204" pitchFamily="18" charset="0"/>
+            </a:endParaRPr>
+          </a:p>
+          <a:p>
+            <a:r>
+              <a:rPr lang="en-US" sz="2400" dirty="0">
+                <a:latin typeface="Cambria" panose="02040503050406030204" pitchFamily="18" charset="0"/>
+              </a:rPr>
+              <a:t>The mock-ups have been created with </a:t>
+            </a:r>
+            <a:r>
+              <a:rPr lang="en-US" sz="2400" b="1" dirty="0">
+                <a:latin typeface="Cambria" panose="02040503050406030204" pitchFamily="18" charset="0"/>
+              </a:rPr>
+              <a:t>Pencil</a:t>
+            </a:r>
+            <a:r>
+              <a:rPr lang="en-US" sz="2400" dirty="0">
+                <a:latin typeface="Cambria" panose="02040503050406030204" pitchFamily="18" charset="0"/>
+              </a:rPr>
+              <a:t>. If you open the Pencil source file, just ignore the “resource missing” errors you may get, since they do not influence at all the mock-up navigation. </a:t>
+            </a:r>
+            <a:endParaRPr lang="en-US" sz="2400" dirty="0"/>
+          </a:p>
+          <a:p>
+            <a:pPr marL="0" indent="0">
+              <a:buNone/>
+            </a:pPr>
+            <a:endParaRPr lang="en-US" sz="2400" dirty="0">
               <a:latin typeface="Cambria" panose="02040503050406030204" pitchFamily="18" charset="0"/>
             </a:endParaRPr>
           </a:p>
@@ -4613,13 +5724,31 @@
               <a:rPr lang="en-US" sz="2400" dirty="0" smtClean="0">
                 <a:latin typeface="Cambria" panose="02040503050406030204" pitchFamily="18" charset="0"/>
               </a:rPr>
-              <a:t>Documentation and IDM </a:t>
+              <a:t>Documentation </a:t>
+            </a:r>
+            <a:r>
+              <a:rPr lang="en-US" sz="2400" dirty="0" smtClean="0">
+                <a:latin typeface="Cambria" panose="02040503050406030204" pitchFamily="18" charset="0"/>
+              </a:rPr>
+              <a:t>and IDM </a:t>
             </a:r>
             <a:r>
               <a:rPr lang="en-US" sz="2400" dirty="0">
                 <a:latin typeface="Cambria" panose="02040503050406030204" pitchFamily="18" charset="0"/>
               </a:rPr>
-              <a:t>diagrams have been written in English. However, since TIM’s website content is strictly in Italian, we have decided to present the mockup in Italian. In particular, the (English) name of the pages in the P-IDM is shown again before each page in the mockup, so that the correlation becomes easier</a:t>
+              <a:t>diagrams have been written in </a:t>
+            </a:r>
+            <a:r>
+              <a:rPr lang="en-US" sz="2400" b="1" dirty="0">
+                <a:latin typeface="Cambria" panose="02040503050406030204" pitchFamily="18" charset="0"/>
+              </a:rPr>
+              <a:t>English</a:t>
+            </a:r>
+            <a:r>
+              <a:rPr lang="en-US" sz="2400" dirty="0">
+                <a:latin typeface="Cambria" panose="02040503050406030204" pitchFamily="18" charset="0"/>
+              </a:rPr>
+              <a:t>. However, since TIM’s website content is strictly in Italian, we have decided to present the mockup in Italian. In particular, the (English) name of the pages in the P-IDM is shown again before each page in the mockup, so that the correlation becomes easier</a:t>
             </a:r>
             <a:r>
               <a:rPr lang="en-US" sz="2400" dirty="0" smtClean="0">
@@ -4669,14 +5798,33 @@
               <a:latin typeface="Cambria" panose="02040503050406030204" pitchFamily="18" charset="0"/>
             </a:endParaRPr>
           </a:p>
-          <a:p>
-            <a:r>
-              <a:rPr lang="en-US" sz="2400" dirty="0" smtClean="0">
-                <a:latin typeface="Cambria" panose="02040503050406030204" pitchFamily="18" charset="0"/>
-              </a:rPr>
-              <a:t>The mock-ups have been created with Pencil. If you open the Pencil source file, just ignore the “resource missing” errors you may get, since they do not influence at all the mock-up navigation. </a:t>
-            </a:r>
-            <a:endParaRPr lang="en-US" sz="2400" dirty="0"/>
+        </p:txBody>
+      </p:sp>
+      <p:sp>
+        <p:nvSpPr>
+          <p:cNvPr id="4" name="Segnaposto piè di pagina 1"/>
+          <p:cNvSpPr>
+            <a:spLocks noGrp="1"/>
+          </p:cNvSpPr>
+          <p:nvPr>
+            <p:ph type="ftr" sz="quarter" idx="11"/>
+          </p:nvPr>
+        </p:nvSpPr>
+        <p:spPr>
+          <a:xfrm>
+            <a:off x="8077200" y="0"/>
+            <a:ext cx="4114800" cy="365125"/>
+          </a:xfrm>
+        </p:spPr>
+        <p:txBody>
+          <a:bodyPr/>
+          <a:lstStyle/>
+          <a:p>
+            <a:r>
+              <a:rPr lang="it-IT" dirty="0" smtClean="0"/>
+              <a:t>Alessandro Pozzi (852358), Marco Romani (852361)</a:t>
+            </a:r>
+            <a:endParaRPr lang="en-US" dirty="0"/>
           </a:p>
         </p:txBody>
       </p:sp>
@@ -4690,10 +5838,17 @@
   <p:clrMapOvr>
     <a:masterClrMapping/>
   </p:clrMapOvr>
+  <p:timing>
+    <p:tnLst>
+      <p:par>
+        <p:cTn id="1" dur="indefinite" restart="never" nodeType="tmRoot"/>
+      </p:par>
+    </p:tnLst>
+  </p:timing>
 </p:sld>
 </file>
 
-<file path=ppt/slides/slide3.xml><?xml version="1.0" encoding="utf-8"?>
+<file path=ppt/slides/slide4.xml><?xml version="1.0" encoding="utf-8"?>
 <p:sld xmlns:a="http://schemas.openxmlformats.org/drawingml/2006/main" xmlns:r="http://schemas.openxmlformats.org/officeDocument/2006/relationships" xmlns:p="http://schemas.openxmlformats.org/presentationml/2006/main">
   <p:cSld>
     <p:spTree>
@@ -7596,6 +8751,34 @@
           </a:p>
         </p:txBody>
       </p:sp>
+      <p:sp>
+        <p:nvSpPr>
+          <p:cNvPr id="65" name="Segnaposto piè di pagina 1"/>
+          <p:cNvSpPr>
+            <a:spLocks noGrp="1"/>
+          </p:cNvSpPr>
+          <p:nvPr>
+            <p:ph type="ftr" sz="quarter" idx="11"/>
+          </p:nvPr>
+        </p:nvSpPr>
+        <p:spPr>
+          <a:xfrm>
+            <a:off x="8077200" y="0"/>
+            <a:ext cx="4114800" cy="365125"/>
+          </a:xfrm>
+        </p:spPr>
+        <p:txBody>
+          <a:bodyPr/>
+          <a:lstStyle/>
+          <a:p>
+            <a:r>
+              <a:rPr lang="it-IT" dirty="0" smtClean="0"/>
+              <a:t>Alessandro Pozzi (852358), Marco Romani (852361)</a:t>
+            </a:r>
+            <a:endParaRPr lang="en-US" dirty="0"/>
+          </a:p>
+        </p:txBody>
+      </p:sp>
     </p:spTree>
     <p:extLst>
       <p:ext uri="{BB962C8B-B14F-4D97-AF65-F5344CB8AC3E}">
@@ -7606,10 +8789,17 @@
   <p:clrMapOvr>
     <a:masterClrMapping/>
   </p:clrMapOvr>
+  <p:timing>
+    <p:tnLst>
+      <p:par>
+        <p:cTn id="1" dur="indefinite" restart="never" nodeType="tmRoot"/>
+      </p:par>
+    </p:tnLst>
+  </p:timing>
 </p:sld>
 </file>
 
-<file path=ppt/slides/slide4.xml><?xml version="1.0" encoding="utf-8"?>
+<file path=ppt/slides/slide5.xml><?xml version="1.0" encoding="utf-8"?>
 <p:sld xmlns:a="http://schemas.openxmlformats.org/drawingml/2006/main" xmlns:r="http://schemas.openxmlformats.org/officeDocument/2006/relationships" xmlns:p="http://schemas.openxmlformats.org/presentationml/2006/main">
   <p:cSld>
     <p:spTree>
@@ -7737,6 +8927,34 @@
           </a:p>
         </p:txBody>
       </p:sp>
+      <p:sp>
+        <p:nvSpPr>
+          <p:cNvPr id="4" name="Segnaposto piè di pagina 1"/>
+          <p:cNvSpPr>
+            <a:spLocks noGrp="1"/>
+          </p:cNvSpPr>
+          <p:nvPr>
+            <p:ph type="ftr" sz="quarter" idx="11"/>
+          </p:nvPr>
+        </p:nvSpPr>
+        <p:spPr>
+          <a:xfrm>
+            <a:off x="8077200" y="0"/>
+            <a:ext cx="4114800" cy="365125"/>
+          </a:xfrm>
+        </p:spPr>
+        <p:txBody>
+          <a:bodyPr/>
+          <a:lstStyle/>
+          <a:p>
+            <a:r>
+              <a:rPr lang="it-IT" dirty="0" smtClean="0"/>
+              <a:t>Alessandro Pozzi (852358), Marco Romani (852361)</a:t>
+            </a:r>
+            <a:endParaRPr lang="en-US" dirty="0"/>
+          </a:p>
+        </p:txBody>
+      </p:sp>
     </p:spTree>
     <p:extLst>
       <p:ext uri="{BB962C8B-B14F-4D97-AF65-F5344CB8AC3E}">
@@ -7747,10 +8965,17 @@
   <p:clrMapOvr>
     <a:masterClrMapping/>
   </p:clrMapOvr>
+  <p:timing>
+    <p:tnLst>
+      <p:par>
+        <p:cTn id="1" dur="indefinite" restart="never" nodeType="tmRoot"/>
+      </p:par>
+    </p:tnLst>
+  </p:timing>
 </p:sld>
 </file>
 
-<file path=ppt/slides/slide5.xml><?xml version="1.0" encoding="utf-8"?>
+<file path=ppt/slides/slide6.xml><?xml version="1.0" encoding="utf-8"?>
 <p:sld xmlns:a="http://schemas.openxmlformats.org/drawingml/2006/main" xmlns:r="http://schemas.openxmlformats.org/officeDocument/2006/relationships" xmlns:p="http://schemas.openxmlformats.org/presentationml/2006/main">
   <p:cSld>
     <p:spTree>
@@ -7998,7 +9223,25 @@
                   <a:schemeClr val="tx1"/>
                 </a:solidFill>
               </a:rPr>
-              <a:t>   Technical features</a:t>
+              <a:t>   Technical </a:t>
+            </a:r>
+            <a:r>
+              <a:rPr lang="en-US" dirty="0" smtClean="0">
+                <a:solidFill>
+                  <a:schemeClr val="tx1"/>
+                </a:solidFill>
+              </a:rPr>
+              <a:t>features</a:t>
+            </a:r>
+          </a:p>
+          <a:p>
+            <a:r>
+              <a:rPr lang="en-US" dirty="0" smtClean="0">
+                <a:solidFill>
+                  <a:schemeClr val="tx1"/>
+                </a:solidFill>
+              </a:rPr>
+              <a:t>    Promotion</a:t>
             </a:r>
             <a:endParaRPr lang="en-US" dirty="0">
               <a:solidFill>
@@ -8241,18 +9484,39 @@
                   <a:schemeClr val="tx1"/>
                 </a:solidFill>
               </a:rPr>
-              <a:t>     How to</a:t>
-            </a:r>
-          </a:p>
-          <a:p>
+              <a:t>     How </a:t>
+            </a:r>
             <a:r>
               <a:rPr lang="en-US" dirty="0" smtClean="0">
                 <a:solidFill>
                   <a:schemeClr val="tx1"/>
                 </a:solidFill>
               </a:rPr>
-              <a:t>     FAQs</a:t>
-            </a:r>
+              <a:t>to</a:t>
+            </a:r>
+          </a:p>
+          <a:p>
+            <a:r>
+              <a:rPr lang="en-US" dirty="0">
+                <a:solidFill>
+                  <a:schemeClr val="tx1"/>
+                </a:solidFill>
+              </a:rPr>
+              <a:t> </a:t>
+            </a:r>
+            <a:r>
+              <a:rPr lang="en-US" dirty="0" smtClean="0">
+                <a:solidFill>
+                  <a:schemeClr val="tx1"/>
+                </a:solidFill>
+              </a:rPr>
+              <a:t>    Promotion</a:t>
+            </a:r>
+            <a:endParaRPr lang="en-US" dirty="0" smtClean="0">
+              <a:solidFill>
+                <a:schemeClr val="tx1"/>
+              </a:solidFill>
+            </a:endParaRPr>
           </a:p>
         </p:txBody>
       </p:sp>
@@ -8469,7 +9733,33 @@
                   <a:schemeClr val="tx1"/>
                 </a:solidFill>
               </a:rPr>
-              <a:t>   Description</a:t>
+              <a:t>   </a:t>
+            </a:r>
+            <a:r>
+              <a:rPr lang="en-US" dirty="0" smtClean="0">
+                <a:solidFill>
+                  <a:schemeClr val="tx1"/>
+                </a:solidFill>
+              </a:rPr>
+              <a:t>Description</a:t>
+            </a:r>
+          </a:p>
+          <a:p>
+            <a:r>
+              <a:rPr lang="en-US" dirty="0">
+                <a:solidFill>
+                  <a:schemeClr val="tx1"/>
+                </a:solidFill>
+              </a:rPr>
+              <a:t> </a:t>
+            </a:r>
+            <a:r>
+              <a:rPr lang="en-US" dirty="0" smtClean="0">
+                <a:solidFill>
+                  <a:schemeClr val="tx1"/>
+                </a:solidFill>
+              </a:rPr>
+              <a:t>  FAQs</a:t>
             </a:r>
             <a:endParaRPr lang="en-US" dirty="0">
               <a:solidFill>
@@ -9293,7 +10583,7 @@
         </p:nvSpPr>
         <p:spPr>
           <a:xfrm>
-            <a:off x="2508885" y="2485752"/>
+            <a:off x="2518119" y="2356859"/>
             <a:ext cx="125911" cy="125911"/>
           </a:xfrm>
           <a:prstGeom prst="ellipse">
@@ -9500,7 +10790,7 @@
         </p:nvSpPr>
         <p:spPr>
           <a:xfrm>
-            <a:off x="2508885" y="2776737"/>
+            <a:off x="2514106" y="2629293"/>
             <a:ext cx="125911" cy="125911"/>
           </a:xfrm>
           <a:prstGeom prst="ellipse">
@@ -9555,7 +10845,7 @@
         </p:nvSpPr>
         <p:spPr>
           <a:xfrm>
-            <a:off x="5939540" y="2218334"/>
+            <a:off x="5940458" y="2232960"/>
             <a:ext cx="125911" cy="125911"/>
           </a:xfrm>
           <a:prstGeom prst="ellipse">
@@ -9610,7 +10900,7 @@
         </p:nvSpPr>
         <p:spPr>
           <a:xfrm>
-            <a:off x="5939541" y="2486723"/>
+            <a:off x="5940459" y="2501349"/>
             <a:ext cx="125911" cy="125911"/>
           </a:xfrm>
           <a:prstGeom prst="ellipse">
@@ -9665,117 +10955,7 @@
         </p:nvSpPr>
         <p:spPr>
           <a:xfrm>
-            <a:off x="5939540" y="2757681"/>
-            <a:ext cx="125911" cy="125911"/>
-          </a:xfrm>
-          <a:prstGeom prst="ellipse">
-            <a:avLst/>
-          </a:prstGeom>
-          <a:solidFill>
-            <a:srgbClr val="8C3FC5"/>
-          </a:solidFill>
-          <a:ln>
-            <a:solidFill>
-              <a:srgbClr val="7030A0"/>
-            </a:solidFill>
-          </a:ln>
-          <a:effectLst>
-            <a:innerShdw blurRad="165100" dist="50800" dir="16200000">
-              <a:prstClr val="black">
-                <a:alpha val="86000"/>
-              </a:prstClr>
-            </a:innerShdw>
-          </a:effectLst>
-        </p:spPr>
-        <p:style>
-          <a:lnRef idx="2">
-            <a:schemeClr val="accent1">
-              <a:shade val="50000"/>
-            </a:schemeClr>
-          </a:lnRef>
-          <a:fillRef idx="1">
-            <a:schemeClr val="accent1"/>
-          </a:fillRef>
-          <a:effectRef idx="0">
-            <a:schemeClr val="accent1"/>
-          </a:effectRef>
-          <a:fontRef idx="minor">
-            <a:schemeClr val="lt1"/>
-          </a:fontRef>
-        </p:style>
-        <p:txBody>
-          <a:bodyPr rtlCol="0" anchor="ctr"/>
-          <a:lstStyle/>
-          <a:p>
-            <a:pPr algn="ctr"/>
-            <a:endParaRPr lang="en-US" dirty="0"/>
-          </a:p>
-        </p:txBody>
-      </p:sp>
-      <p:sp>
-        <p:nvSpPr>
-          <p:cNvPr id="33" name="Ovale 32"/>
-          <p:cNvSpPr/>
-          <p:nvPr/>
-        </p:nvSpPr>
-        <p:spPr>
-          <a:xfrm>
-            <a:off x="5939539" y="3036190"/>
-            <a:ext cx="125911" cy="125911"/>
-          </a:xfrm>
-          <a:prstGeom prst="ellipse">
-            <a:avLst/>
-          </a:prstGeom>
-          <a:solidFill>
-            <a:srgbClr val="8C3FC5"/>
-          </a:solidFill>
-          <a:ln>
-            <a:solidFill>
-              <a:srgbClr val="7030A0"/>
-            </a:solidFill>
-          </a:ln>
-          <a:effectLst>
-            <a:innerShdw blurRad="165100" dist="50800" dir="16200000">
-              <a:prstClr val="black">
-                <a:alpha val="86000"/>
-              </a:prstClr>
-            </a:innerShdw>
-          </a:effectLst>
-        </p:spPr>
-        <p:style>
-          <a:lnRef idx="2">
-            <a:schemeClr val="accent1">
-              <a:shade val="50000"/>
-            </a:schemeClr>
-          </a:lnRef>
-          <a:fillRef idx="1">
-            <a:schemeClr val="accent1"/>
-          </a:fillRef>
-          <a:effectRef idx="0">
-            <a:schemeClr val="accent1"/>
-          </a:effectRef>
-          <a:fontRef idx="minor">
-            <a:schemeClr val="lt1"/>
-          </a:fontRef>
-        </p:style>
-        <p:txBody>
-          <a:bodyPr rtlCol="0" anchor="ctr"/>
-          <a:lstStyle/>
-          <a:p>
-            <a:pPr algn="ctr"/>
-            <a:endParaRPr lang="en-US" dirty="0"/>
-          </a:p>
-        </p:txBody>
-      </p:sp>
-      <p:sp>
-        <p:nvSpPr>
-          <p:cNvPr id="35" name="Ovale 34"/>
-          <p:cNvSpPr/>
-          <p:nvPr/>
-        </p:nvSpPr>
-        <p:spPr>
-          <a:xfrm>
-            <a:off x="2494231" y="4995805"/>
+            <a:off x="5940458" y="2772307"/>
             <a:ext cx="125911" cy="125911"/>
           </a:xfrm>
           <a:prstGeom prst="ellipse">
@@ -14256,6 +15436,254 @@
           </a:p>
         </p:txBody>
       </p:sp>
+      <p:sp>
+        <p:nvSpPr>
+          <p:cNvPr id="167" name="Ovale 166"/>
+          <p:cNvSpPr/>
+          <p:nvPr/>
+        </p:nvSpPr>
+        <p:spPr>
+          <a:xfrm>
+            <a:off x="2490728" y="4849438"/>
+            <a:ext cx="125911" cy="125911"/>
+          </a:xfrm>
+          <a:prstGeom prst="ellipse">
+            <a:avLst/>
+          </a:prstGeom>
+          <a:solidFill>
+            <a:srgbClr val="8C3FC5"/>
+          </a:solidFill>
+          <a:ln>
+            <a:solidFill>
+              <a:srgbClr val="7030A0"/>
+            </a:solidFill>
+          </a:ln>
+          <a:effectLst>
+            <a:innerShdw blurRad="165100" dist="50800" dir="16200000">
+              <a:prstClr val="black">
+                <a:alpha val="86000"/>
+              </a:prstClr>
+            </a:innerShdw>
+          </a:effectLst>
+        </p:spPr>
+        <p:style>
+          <a:lnRef idx="2">
+            <a:schemeClr val="accent1">
+              <a:shade val="50000"/>
+            </a:schemeClr>
+          </a:lnRef>
+          <a:fillRef idx="1">
+            <a:schemeClr val="accent1"/>
+          </a:fillRef>
+          <a:effectRef idx="0">
+            <a:schemeClr val="accent1"/>
+          </a:effectRef>
+          <a:fontRef idx="minor">
+            <a:schemeClr val="lt1"/>
+          </a:fontRef>
+        </p:style>
+        <p:txBody>
+          <a:bodyPr rtlCol="0" anchor="ctr"/>
+          <a:lstStyle/>
+          <a:p>
+            <a:pPr algn="ctr"/>
+            <a:endParaRPr lang="en-US" dirty="0"/>
+          </a:p>
+        </p:txBody>
+      </p:sp>
+      <p:sp>
+        <p:nvSpPr>
+          <p:cNvPr id="173" name="Ovale 172"/>
+          <p:cNvSpPr/>
+          <p:nvPr/>
+        </p:nvSpPr>
+        <p:spPr>
+          <a:xfrm>
+            <a:off x="2490728" y="5140423"/>
+            <a:ext cx="125911" cy="125911"/>
+          </a:xfrm>
+          <a:prstGeom prst="ellipse">
+            <a:avLst/>
+          </a:prstGeom>
+          <a:solidFill>
+            <a:srgbClr val="8C3FC5"/>
+          </a:solidFill>
+          <a:ln>
+            <a:solidFill>
+              <a:srgbClr val="7030A0"/>
+            </a:solidFill>
+          </a:ln>
+          <a:effectLst>
+            <a:innerShdw blurRad="165100" dist="50800" dir="16200000">
+              <a:prstClr val="black">
+                <a:alpha val="86000"/>
+              </a:prstClr>
+            </a:innerShdw>
+          </a:effectLst>
+        </p:spPr>
+        <p:style>
+          <a:lnRef idx="2">
+            <a:schemeClr val="accent1">
+              <a:shade val="50000"/>
+            </a:schemeClr>
+          </a:lnRef>
+          <a:fillRef idx="1">
+            <a:schemeClr val="accent1"/>
+          </a:fillRef>
+          <a:effectRef idx="0">
+            <a:schemeClr val="accent1"/>
+          </a:effectRef>
+          <a:fontRef idx="minor">
+            <a:schemeClr val="lt1"/>
+          </a:fontRef>
+        </p:style>
+        <p:txBody>
+          <a:bodyPr rtlCol="0" anchor="ctr"/>
+          <a:lstStyle/>
+          <a:p>
+            <a:pPr algn="ctr"/>
+            <a:endParaRPr lang="en-US" dirty="0"/>
+          </a:p>
+        </p:txBody>
+      </p:sp>
+      <p:sp>
+        <p:nvSpPr>
+          <p:cNvPr id="183" name="Ovale 182"/>
+          <p:cNvSpPr/>
+          <p:nvPr/>
+        </p:nvSpPr>
+        <p:spPr>
+          <a:xfrm>
+            <a:off x="5944041" y="3042069"/>
+            <a:ext cx="125911" cy="125911"/>
+          </a:xfrm>
+          <a:prstGeom prst="ellipse">
+            <a:avLst/>
+          </a:prstGeom>
+          <a:solidFill>
+            <a:srgbClr val="8C3FC5"/>
+          </a:solidFill>
+          <a:ln>
+            <a:solidFill>
+              <a:srgbClr val="7030A0"/>
+            </a:solidFill>
+          </a:ln>
+          <a:effectLst>
+            <a:innerShdw blurRad="165100" dist="50800" dir="16200000">
+              <a:prstClr val="black">
+                <a:alpha val="86000"/>
+              </a:prstClr>
+            </a:innerShdw>
+          </a:effectLst>
+        </p:spPr>
+        <p:style>
+          <a:lnRef idx="2">
+            <a:schemeClr val="accent1">
+              <a:shade val="50000"/>
+            </a:schemeClr>
+          </a:lnRef>
+          <a:fillRef idx="1">
+            <a:schemeClr val="accent1"/>
+          </a:fillRef>
+          <a:effectRef idx="0">
+            <a:schemeClr val="accent1"/>
+          </a:effectRef>
+          <a:fontRef idx="minor">
+            <a:schemeClr val="lt1"/>
+          </a:fontRef>
+        </p:style>
+        <p:txBody>
+          <a:bodyPr rtlCol="0" anchor="ctr"/>
+          <a:lstStyle/>
+          <a:p>
+            <a:pPr algn="ctr"/>
+            <a:endParaRPr lang="en-US" dirty="0"/>
+          </a:p>
+        </p:txBody>
+      </p:sp>
+      <p:sp>
+        <p:nvSpPr>
+          <p:cNvPr id="184" name="Ovale 183"/>
+          <p:cNvSpPr/>
+          <p:nvPr/>
+        </p:nvSpPr>
+        <p:spPr>
+          <a:xfrm>
+            <a:off x="2514107" y="2876872"/>
+            <a:ext cx="125911" cy="125911"/>
+          </a:xfrm>
+          <a:prstGeom prst="ellipse">
+            <a:avLst/>
+          </a:prstGeom>
+          <a:solidFill>
+            <a:srgbClr val="8C3FC5"/>
+          </a:solidFill>
+          <a:ln>
+            <a:solidFill>
+              <a:srgbClr val="7030A0"/>
+            </a:solidFill>
+          </a:ln>
+          <a:effectLst>
+            <a:innerShdw blurRad="165100" dist="50800" dir="16200000">
+              <a:prstClr val="black">
+                <a:alpha val="86000"/>
+              </a:prstClr>
+            </a:innerShdw>
+          </a:effectLst>
+        </p:spPr>
+        <p:style>
+          <a:lnRef idx="2">
+            <a:schemeClr val="accent1">
+              <a:shade val="50000"/>
+            </a:schemeClr>
+          </a:lnRef>
+          <a:fillRef idx="1">
+            <a:schemeClr val="accent1"/>
+          </a:fillRef>
+          <a:effectRef idx="0">
+            <a:schemeClr val="accent1"/>
+          </a:effectRef>
+          <a:fontRef idx="minor">
+            <a:schemeClr val="lt1"/>
+          </a:fontRef>
+        </p:style>
+        <p:txBody>
+          <a:bodyPr rtlCol="0" anchor="ctr"/>
+          <a:lstStyle/>
+          <a:p>
+            <a:pPr algn="ctr"/>
+            <a:endParaRPr lang="en-US" dirty="0"/>
+          </a:p>
+        </p:txBody>
+      </p:sp>
+      <p:sp>
+        <p:nvSpPr>
+          <p:cNvPr id="185" name="Segnaposto piè di pagina 1"/>
+          <p:cNvSpPr>
+            <a:spLocks noGrp="1"/>
+          </p:cNvSpPr>
+          <p:nvPr>
+            <p:ph type="ftr" sz="quarter" idx="11"/>
+          </p:nvPr>
+        </p:nvSpPr>
+        <p:spPr>
+          <a:xfrm>
+            <a:off x="8077200" y="0"/>
+            <a:ext cx="4114800" cy="365125"/>
+          </a:xfrm>
+        </p:spPr>
+        <p:txBody>
+          <a:bodyPr/>
+          <a:lstStyle/>
+          <a:p>
+            <a:r>
+              <a:rPr lang="it-IT" dirty="0" smtClean="0"/>
+              <a:t>Alessandro Pozzi (852358), Marco Romani (852361)</a:t>
+            </a:r>
+            <a:endParaRPr lang="en-US" dirty="0"/>
+          </a:p>
+        </p:txBody>
+      </p:sp>
     </p:spTree>
     <p:extLst>
       <p:ext uri="{BB962C8B-B14F-4D97-AF65-F5344CB8AC3E}">
@@ -14266,10 +15694,17 @@
   <p:clrMapOvr>
     <a:masterClrMapping/>
   </p:clrMapOvr>
+  <p:timing>
+    <p:tnLst>
+      <p:par>
+        <p:cTn id="1" dur="indefinite" restart="never" nodeType="tmRoot"/>
+      </p:par>
+    </p:tnLst>
+  </p:timing>
 </p:sld>
 </file>
 
-<file path=ppt/slides/slide6.xml><?xml version="1.0" encoding="utf-8"?>
+<file path=ppt/slides/slide7.xml><?xml version="1.0" encoding="utf-8"?>
 <p:sld xmlns:a="http://schemas.openxmlformats.org/drawingml/2006/main" xmlns:r="http://schemas.openxmlformats.org/officeDocument/2006/relationships" xmlns:p="http://schemas.openxmlformats.org/presentationml/2006/main">
   <p:cSld>
     <p:spTree>
@@ -14390,6 +15825,34 @@
           </a:p>
         </p:txBody>
       </p:sp>
+      <p:sp>
+        <p:nvSpPr>
+          <p:cNvPr id="4" name="Segnaposto piè di pagina 1"/>
+          <p:cNvSpPr>
+            <a:spLocks noGrp="1"/>
+          </p:cNvSpPr>
+          <p:nvPr>
+            <p:ph type="ftr" sz="quarter" idx="11"/>
+          </p:nvPr>
+        </p:nvSpPr>
+        <p:spPr>
+          <a:xfrm>
+            <a:off x="8077200" y="0"/>
+            <a:ext cx="4114800" cy="365125"/>
+          </a:xfrm>
+        </p:spPr>
+        <p:txBody>
+          <a:bodyPr/>
+          <a:lstStyle/>
+          <a:p>
+            <a:r>
+              <a:rPr lang="it-IT" dirty="0" smtClean="0"/>
+              <a:t>Alessandro Pozzi (852358), Marco Romani (852361)</a:t>
+            </a:r>
+            <a:endParaRPr lang="en-US" dirty="0"/>
+          </a:p>
+        </p:txBody>
+      </p:sp>
     </p:spTree>
     <p:extLst>
       <p:ext uri="{BB962C8B-B14F-4D97-AF65-F5344CB8AC3E}">
@@ -14400,10 +15863,17 @@
   <p:clrMapOvr>
     <a:masterClrMapping/>
   </p:clrMapOvr>
+  <p:timing>
+    <p:tnLst>
+      <p:par>
+        <p:cTn id="1" dur="indefinite" restart="never" nodeType="tmRoot"/>
+      </p:par>
+    </p:tnLst>
+  </p:timing>
 </p:sld>
 </file>
 
-<file path=ppt/slides/slide7.xml><?xml version="1.0" encoding="utf-8"?>
+<file path=ppt/slides/slide8.xml><?xml version="1.0" encoding="utf-8"?>
 <p:sld xmlns:a="http://schemas.openxmlformats.org/drawingml/2006/main" xmlns:r="http://schemas.openxmlformats.org/officeDocument/2006/relationships" xmlns:p="http://schemas.openxmlformats.org/presentationml/2006/main">
   <p:cSld>
     <p:spTree>
@@ -20878,6 +22348,34 @@
           </a:p>
         </p:txBody>
       </p:sp>
+      <p:sp>
+        <p:nvSpPr>
+          <p:cNvPr id="204" name="Segnaposto piè di pagina 1"/>
+          <p:cNvSpPr>
+            <a:spLocks noGrp="1"/>
+          </p:cNvSpPr>
+          <p:nvPr>
+            <p:ph type="ftr" sz="quarter" idx="11"/>
+          </p:nvPr>
+        </p:nvSpPr>
+        <p:spPr>
+          <a:xfrm>
+            <a:off x="5166849" y="0"/>
+            <a:ext cx="4114800" cy="365125"/>
+          </a:xfrm>
+        </p:spPr>
+        <p:txBody>
+          <a:bodyPr/>
+          <a:lstStyle/>
+          <a:p>
+            <a:r>
+              <a:rPr lang="it-IT" dirty="0" smtClean="0"/>
+              <a:t>Alessandro Pozzi (852358), Marco Romani (852361)</a:t>
+            </a:r>
+            <a:endParaRPr lang="en-US" dirty="0"/>
+          </a:p>
+        </p:txBody>
+      </p:sp>
     </p:spTree>
     <p:extLst>
       <p:ext uri="{BB962C8B-B14F-4D97-AF65-F5344CB8AC3E}">
@@ -20888,10 +22386,17 @@
   <p:clrMapOvr>
     <a:masterClrMapping/>
   </p:clrMapOvr>
+  <p:timing>
+    <p:tnLst>
+      <p:par>
+        <p:cTn id="1" dur="indefinite" restart="never" nodeType="tmRoot"/>
+      </p:par>
+    </p:tnLst>
+  </p:timing>
 </p:sld>
 </file>
 
-<file path=ppt/slides/slide8.xml><?xml version="1.0" encoding="utf-8"?>
+<file path=ppt/slides/slide9.xml><?xml version="1.0" encoding="utf-8"?>
 <p:sld xmlns:a="http://schemas.openxmlformats.org/drawingml/2006/main" xmlns:r="http://schemas.openxmlformats.org/officeDocument/2006/relationships" xmlns:p="http://schemas.openxmlformats.org/presentationml/2006/main">
   <p:cSld>
     <p:spTree>
@@ -25666,6 +27171,40 @@
           </a:p>
         </p:txBody>
       </p:sp>
+      <p:sp>
+        <p:nvSpPr>
+          <p:cNvPr id="147" name="Segnaposto piè di pagina 1"/>
+          <p:cNvSpPr>
+            <a:spLocks noGrp="1"/>
+          </p:cNvSpPr>
+          <p:nvPr>
+            <p:ph type="ftr" sz="quarter" idx="11"/>
+          </p:nvPr>
+        </p:nvSpPr>
+        <p:spPr>
+          <a:xfrm>
+            <a:off x="3516993" y="-514"/>
+            <a:ext cx="2219997" cy="553705"/>
+          </a:xfrm>
+        </p:spPr>
+        <p:txBody>
+          <a:bodyPr/>
+          <a:lstStyle/>
+          <a:p>
+            <a:r>
+              <a:rPr lang="it-IT" dirty="0" smtClean="0"/>
+              <a:t>Alessandro Pozzi (852358), </a:t>
+            </a:r>
+          </a:p>
+          <a:p>
+            <a:r>
+              <a:rPr lang="it-IT" dirty="0" smtClean="0"/>
+              <a:t>Marco Romani (852361)</a:t>
+            </a:r>
+            <a:endParaRPr lang="en-US" dirty="0"/>
+          </a:p>
+        </p:txBody>
+      </p:sp>
     </p:spTree>
     <p:extLst>
       <p:ext uri="{BB962C8B-B14F-4D97-AF65-F5344CB8AC3E}">
@@ -25676,181 +27215,13 @@
   <p:clrMapOvr>
     <a:masterClrMapping/>
   </p:clrMapOvr>
-</p:sld>
-</file>
-
-<file path=ppt/slides/slide9.xml><?xml version="1.0" encoding="utf-8"?>
-<p:sld xmlns:a="http://schemas.openxmlformats.org/drawingml/2006/main" xmlns:r="http://schemas.openxmlformats.org/officeDocument/2006/relationships" xmlns:p="http://schemas.openxmlformats.org/presentationml/2006/main">
-  <p:cSld>
-    <p:spTree>
-      <p:nvGrpSpPr>
-        <p:cNvPr id="1" name=""/>
-        <p:cNvGrpSpPr/>
-        <p:nvPr/>
-      </p:nvGrpSpPr>
-      <p:grpSpPr>
-        <a:xfrm>
-          <a:off x="0" y="0"/>
-          <a:ext cx="0" cy="0"/>
-          <a:chOff x="0" y="0"/>
-          <a:chExt cx="0" cy="0"/>
-        </a:xfrm>
-      </p:grpSpPr>
-      <p:sp>
-        <p:nvSpPr>
-          <p:cNvPr id="5" name="Segnaposto contenuto 4"/>
-          <p:cNvSpPr>
-            <a:spLocks noGrp="1"/>
-          </p:cNvSpPr>
-          <p:nvPr>
-            <p:ph idx="1"/>
-          </p:nvPr>
-        </p:nvSpPr>
-        <p:spPr>
-          <a:xfrm>
-            <a:off x="838200" y="505098"/>
-            <a:ext cx="10515600" cy="5671866"/>
-          </a:xfrm>
-        </p:spPr>
-        <p:txBody>
-          <a:bodyPr/>
-          <a:lstStyle/>
-          <a:p>
-            <a:pPr marL="0" indent="0">
-              <a:buNone/>
-            </a:pPr>
-            <a:r>
-              <a:rPr lang="en-US" b="1" dirty="0" smtClean="0">
-                <a:latin typeface="Cambria" panose="02040503050406030204" pitchFamily="18" charset="0"/>
-              </a:rPr>
-              <a:t>Notes on the P-IDM diagram</a:t>
-            </a:r>
-          </a:p>
-          <a:p>
-            <a:r>
-              <a:rPr lang="en-US" sz="2000" dirty="0" smtClean="0">
-                <a:latin typeface="Cambria" panose="02040503050406030204" pitchFamily="18" charset="0"/>
-              </a:rPr>
-              <a:t>As stated in the L-IDM, we think that “</a:t>
-            </a:r>
-            <a:r>
-              <a:rPr lang="en-US" sz="2000" b="1" dirty="0" smtClean="0">
-                <a:latin typeface="Cambria" panose="02040503050406030204" pitchFamily="18" charset="0"/>
-              </a:rPr>
-              <a:t>News</a:t>
-            </a:r>
-            <a:r>
-              <a:rPr lang="en-US" sz="2000" dirty="0" smtClean="0">
-                <a:latin typeface="Cambria" panose="02040503050406030204" pitchFamily="18" charset="0"/>
-              </a:rPr>
-              <a:t>” should have a more relevant role. For this reason, it will also be a landmark well visible in any moment (see the mock-up).</a:t>
-            </a:r>
-          </a:p>
-          <a:p>
-            <a:endParaRPr lang="en-US" sz="2000" dirty="0" smtClean="0">
-              <a:latin typeface="Cambria" panose="02040503050406030204" pitchFamily="18" charset="0"/>
-            </a:endParaRPr>
-          </a:p>
-          <a:p>
-            <a:r>
-              <a:rPr lang="en-US" sz="2000" b="1" dirty="0" smtClean="0">
-                <a:latin typeface="Cambria" panose="02040503050406030204" pitchFamily="18" charset="0"/>
-              </a:rPr>
-              <a:t>Business</a:t>
-            </a:r>
-            <a:r>
-              <a:rPr lang="en-US" sz="2000" dirty="0" smtClean="0">
-                <a:latin typeface="Cambria" panose="02040503050406030204" pitchFamily="18" charset="0"/>
-              </a:rPr>
-              <a:t> and </a:t>
-            </a:r>
-            <a:r>
-              <a:rPr lang="en-US" sz="2000" b="1" dirty="0" smtClean="0">
-                <a:latin typeface="Cambria" panose="02040503050406030204" pitchFamily="18" charset="0"/>
-              </a:rPr>
-              <a:t>governance</a:t>
-            </a:r>
-            <a:r>
-              <a:rPr lang="en-US" sz="2000" dirty="0" smtClean="0">
-                <a:latin typeface="Cambria" panose="02040503050406030204" pitchFamily="18" charset="0"/>
-              </a:rPr>
-              <a:t> are logically separated so that the user can find quickly the information (s)he needs; however it is possible to navigate directly from one to the other. They are not landmarks, since are not information that need to be accessed from any page.</a:t>
-            </a:r>
-          </a:p>
-          <a:p>
-            <a:endParaRPr lang="en-US" sz="2000" dirty="0" smtClean="0">
-              <a:latin typeface="Cambria" panose="02040503050406030204" pitchFamily="18" charset="0"/>
-            </a:endParaRPr>
-          </a:p>
-          <a:p>
-            <a:r>
-              <a:rPr lang="en-US" sz="2000" dirty="0" smtClean="0">
-                <a:latin typeface="Cambria" panose="02040503050406030204" pitchFamily="18" charset="0"/>
-              </a:rPr>
-              <a:t>The “</a:t>
-            </a:r>
-            <a:r>
-              <a:rPr lang="en-US" sz="2000" b="1" dirty="0" smtClean="0">
-                <a:latin typeface="Cambria" panose="02040503050406030204" pitchFamily="18" charset="0"/>
-              </a:rPr>
-              <a:t>Promotion</a:t>
-            </a:r>
-            <a:r>
-              <a:rPr lang="en-US" sz="2000" dirty="0" smtClean="0">
-                <a:latin typeface="Cambria" panose="02040503050406030204" pitchFamily="18" charset="0"/>
-              </a:rPr>
-              <a:t>” page have been added in both the “Device” and “Smart Life” multiple topics. We thought it would be confusing for the user to do not find a section containing info about the promotions, especially if the user have reached that Device or Smart Life page </a:t>
-            </a:r>
-            <a:r>
-              <a:rPr lang="en-US" sz="2000" i="1" dirty="0" smtClean="0">
-                <a:latin typeface="Cambria" panose="02040503050406030204" pitchFamily="18" charset="0"/>
-              </a:rPr>
-              <a:t>from</a:t>
-            </a:r>
-            <a:r>
-              <a:rPr lang="en-US" sz="2000" dirty="0" smtClean="0">
-                <a:latin typeface="Cambria" panose="02040503050406030204" pitchFamily="18" charset="0"/>
-              </a:rPr>
-              <a:t> the “Promotions” introductory page!</a:t>
-            </a:r>
-          </a:p>
-          <a:p>
-            <a:endParaRPr lang="en-US" sz="2000" dirty="0" smtClean="0">
-              <a:latin typeface="Cambria" panose="02040503050406030204" pitchFamily="18" charset="0"/>
-            </a:endParaRPr>
-          </a:p>
-          <a:p>
-            <a:r>
-              <a:rPr lang="en-US" sz="2000" dirty="0" smtClean="0">
-                <a:latin typeface="Cambria" panose="02040503050406030204" pitchFamily="18" charset="0"/>
-              </a:rPr>
-              <a:t>“</a:t>
-            </a:r>
-            <a:r>
-              <a:rPr lang="en-US" sz="2000" b="1" dirty="0" smtClean="0">
-                <a:latin typeface="Cambria" panose="02040503050406030204" pitchFamily="18" charset="0"/>
-              </a:rPr>
-              <a:t>Highlights</a:t>
-            </a:r>
-            <a:r>
-              <a:rPr lang="en-US" sz="2000" dirty="0" smtClean="0">
-                <a:latin typeface="Cambria" panose="02040503050406030204" pitchFamily="18" charset="0"/>
-              </a:rPr>
-              <a:t>” have been merged with the introductory page of assistance services. A list of highlighted assistance services will be shown together with the possible category of assistances. In this way, if the user is interested in receiving an assistance, (s)he might immediately find the service (s)he need.</a:t>
-            </a:r>
-          </a:p>
-        </p:txBody>
-      </p:sp>
-    </p:spTree>
-    <p:extLst>
-      <p:ext uri="{BB962C8B-B14F-4D97-AF65-F5344CB8AC3E}">
-        <p14:creationId xmlns:p14="http://schemas.microsoft.com/office/powerpoint/2010/main" val="3662075908"/>
-      </p:ext>
-    </p:extLst>
-  </p:cSld>
-  <p:clrMapOvr>
-    <a:masterClrMapping/>
-  </p:clrMapOvr>
+  <p:timing>
+    <p:tnLst>
+      <p:par>
+        <p:cTn id="1" dur="indefinite" restart="never" nodeType="tmRoot"/>
+      </p:par>
+    </p:tnLst>
+  </p:timing>
 </p:sld>
 </file>
 
@@ -26374,4 +27745,265 @@
     </a:ext>
   </a:extLst>
 </a:theme>
+</file>
+
+<file path=ppt/theme/theme3.xml><?xml version="1.0" encoding="utf-8"?>
+<a:theme xmlns:a="http://schemas.openxmlformats.org/drawingml/2006/main" name="Tema di Office">
+  <a:themeElements>
+    <a:clrScheme name="Office">
+      <a:dk1>
+        <a:sysClr val="windowText" lastClr="000000"/>
+      </a:dk1>
+      <a:lt1>
+        <a:sysClr val="window" lastClr="FFFFFF"/>
+      </a:lt1>
+      <a:dk2>
+        <a:srgbClr val="44546A"/>
+      </a:dk2>
+      <a:lt2>
+        <a:srgbClr val="E7E6E6"/>
+      </a:lt2>
+      <a:accent1>
+        <a:srgbClr val="5B9BD5"/>
+      </a:accent1>
+      <a:accent2>
+        <a:srgbClr val="ED7D31"/>
+      </a:accent2>
+      <a:accent3>
+        <a:srgbClr val="A5A5A5"/>
+      </a:accent3>
+      <a:accent4>
+        <a:srgbClr val="FFC000"/>
+      </a:accent4>
+      <a:accent5>
+        <a:srgbClr val="4472C4"/>
+      </a:accent5>
+      <a:accent6>
+        <a:srgbClr val="70AD47"/>
+      </a:accent6>
+      <a:hlink>
+        <a:srgbClr val="0563C1"/>
+      </a:hlink>
+      <a:folHlink>
+        <a:srgbClr val="954F72"/>
+      </a:folHlink>
+    </a:clrScheme>
+    <a:fontScheme name="Office">
+      <a:majorFont>
+        <a:latin typeface="Calibri Light" panose="020F0302020204030204"/>
+        <a:ea typeface=""/>
+        <a:cs typeface=""/>
+        <a:font script="Jpan" typeface="ＭＳ Ｐゴシック"/>
+        <a:font script="Hang" typeface="맑은 고딕"/>
+        <a:font script="Hans" typeface="宋体"/>
+        <a:font script="Hant" typeface="新細明體"/>
+        <a:font script="Arab" typeface="Times New Roman"/>
+        <a:font script="Hebr" typeface="Times New Roman"/>
+        <a:font script="Thai" typeface="Angsana New"/>
+        <a:font script="Ethi" typeface="Nyala"/>
+        <a:font script="Beng" typeface="Vrinda"/>
+        <a:font script="Gujr" typeface="Shruti"/>
+        <a:font script="Khmr" typeface="MoolBoran"/>
+        <a:font script="Knda" typeface="Tunga"/>
+        <a:font script="Guru" typeface="Raavi"/>
+        <a:font script="Cans" typeface="Euphemia"/>
+        <a:font script="Cher" typeface="Plantagenet Cherokee"/>
+        <a:font script="Yiii" typeface="Microsoft Yi Baiti"/>
+        <a:font script="Tibt" typeface="Microsoft Himalaya"/>
+        <a:font script="Thaa" typeface="MV Boli"/>
+        <a:font script="Deva" typeface="Mangal"/>
+        <a:font script="Telu" typeface="Gautami"/>
+        <a:font script="Taml" typeface="Latha"/>
+        <a:font script="Syrc" typeface="Estrangelo Edessa"/>
+        <a:font script="Orya" typeface="Kalinga"/>
+        <a:font script="Mlym" typeface="Kartika"/>
+        <a:font script="Laoo" typeface="DokChampa"/>
+        <a:font script="Sinh" typeface="Iskoola Pota"/>
+        <a:font script="Mong" typeface="Mongolian Baiti"/>
+        <a:font script="Viet" typeface="Times New Roman"/>
+        <a:font script="Uigh" typeface="Microsoft Uighur"/>
+        <a:font script="Geor" typeface="Sylfaen"/>
+      </a:majorFont>
+      <a:minorFont>
+        <a:latin typeface="Calibri" panose="020F0502020204030204"/>
+        <a:ea typeface=""/>
+        <a:cs typeface=""/>
+        <a:font script="Jpan" typeface="ＭＳ Ｐゴシック"/>
+        <a:font script="Hang" typeface="맑은 고딕"/>
+        <a:font script="Hans" typeface="宋体"/>
+        <a:font script="Hant" typeface="新細明體"/>
+        <a:font script="Arab" typeface="Arial"/>
+        <a:font script="Hebr" typeface="Arial"/>
+        <a:font script="Thai" typeface="Cordia New"/>
+        <a:font script="Ethi" typeface="Nyala"/>
+        <a:font script="Beng" typeface="Vrinda"/>
+        <a:font script="Gujr" typeface="Shruti"/>
+        <a:font script="Khmr" typeface="DaunPenh"/>
+        <a:font script="Knda" typeface="Tunga"/>
+        <a:font script="Guru" typeface="Raavi"/>
+        <a:font script="Cans" typeface="Euphemia"/>
+        <a:font script="Cher" typeface="Plantagenet Cherokee"/>
+        <a:font script="Yiii" typeface="Microsoft Yi Baiti"/>
+        <a:font script="Tibt" typeface="Microsoft Himalaya"/>
+        <a:font script="Thaa" typeface="MV Boli"/>
+        <a:font script="Deva" typeface="Mangal"/>
+        <a:font script="Telu" typeface="Gautami"/>
+        <a:font script="Taml" typeface="Latha"/>
+        <a:font script="Syrc" typeface="Estrangelo Edessa"/>
+        <a:font script="Orya" typeface="Kalinga"/>
+        <a:font script="Mlym" typeface="Kartika"/>
+        <a:font script="Laoo" typeface="DokChampa"/>
+        <a:font script="Sinh" typeface="Iskoola Pota"/>
+        <a:font script="Mong" typeface="Mongolian Baiti"/>
+        <a:font script="Viet" typeface="Arial"/>
+        <a:font script="Uigh" typeface="Microsoft Uighur"/>
+        <a:font script="Geor" typeface="Sylfaen"/>
+      </a:minorFont>
+    </a:fontScheme>
+    <a:fmtScheme name="Office">
+      <a:fillStyleLst>
+        <a:solidFill>
+          <a:schemeClr val="phClr"/>
+        </a:solidFill>
+        <a:gradFill rotWithShape="1">
+          <a:gsLst>
+            <a:gs pos="0">
+              <a:schemeClr val="phClr">
+                <a:lumMod val="110000"/>
+                <a:satMod val="105000"/>
+                <a:tint val="67000"/>
+              </a:schemeClr>
+            </a:gs>
+            <a:gs pos="50000">
+              <a:schemeClr val="phClr">
+                <a:lumMod val="105000"/>
+                <a:satMod val="103000"/>
+                <a:tint val="73000"/>
+              </a:schemeClr>
+            </a:gs>
+            <a:gs pos="100000">
+              <a:schemeClr val="phClr">
+                <a:lumMod val="105000"/>
+                <a:satMod val="109000"/>
+                <a:tint val="81000"/>
+              </a:schemeClr>
+            </a:gs>
+          </a:gsLst>
+          <a:lin ang="5400000" scaled="0"/>
+        </a:gradFill>
+        <a:gradFill rotWithShape="1">
+          <a:gsLst>
+            <a:gs pos="0">
+              <a:schemeClr val="phClr">
+                <a:satMod val="103000"/>
+                <a:lumMod val="102000"/>
+                <a:tint val="94000"/>
+              </a:schemeClr>
+            </a:gs>
+            <a:gs pos="50000">
+              <a:schemeClr val="phClr">
+                <a:satMod val="110000"/>
+                <a:lumMod val="100000"/>
+                <a:shade val="100000"/>
+              </a:schemeClr>
+            </a:gs>
+            <a:gs pos="100000">
+              <a:schemeClr val="phClr">
+                <a:lumMod val="99000"/>
+                <a:satMod val="120000"/>
+                <a:shade val="78000"/>
+              </a:schemeClr>
+            </a:gs>
+          </a:gsLst>
+          <a:lin ang="5400000" scaled="0"/>
+        </a:gradFill>
+      </a:fillStyleLst>
+      <a:lnStyleLst>
+        <a:ln w="6350" cap="flat" cmpd="sng" algn="ctr">
+          <a:solidFill>
+            <a:schemeClr val="phClr"/>
+          </a:solidFill>
+          <a:prstDash val="solid"/>
+          <a:miter lim="800000"/>
+        </a:ln>
+        <a:ln w="12700" cap="flat" cmpd="sng" algn="ctr">
+          <a:solidFill>
+            <a:schemeClr val="phClr"/>
+          </a:solidFill>
+          <a:prstDash val="solid"/>
+          <a:miter lim="800000"/>
+        </a:ln>
+        <a:ln w="19050" cap="flat" cmpd="sng" algn="ctr">
+          <a:solidFill>
+            <a:schemeClr val="phClr"/>
+          </a:solidFill>
+          <a:prstDash val="solid"/>
+          <a:miter lim="800000"/>
+        </a:ln>
+      </a:lnStyleLst>
+      <a:effectStyleLst>
+        <a:effectStyle>
+          <a:effectLst/>
+        </a:effectStyle>
+        <a:effectStyle>
+          <a:effectLst/>
+        </a:effectStyle>
+        <a:effectStyle>
+          <a:effectLst>
+            <a:outerShdw blurRad="57150" dist="19050" dir="5400000" algn="ctr" rotWithShape="0">
+              <a:srgbClr val="000000">
+                <a:alpha val="63000"/>
+              </a:srgbClr>
+            </a:outerShdw>
+          </a:effectLst>
+        </a:effectStyle>
+      </a:effectStyleLst>
+      <a:bgFillStyleLst>
+        <a:solidFill>
+          <a:schemeClr val="phClr"/>
+        </a:solidFill>
+        <a:solidFill>
+          <a:schemeClr val="phClr">
+            <a:tint val="95000"/>
+            <a:satMod val="170000"/>
+          </a:schemeClr>
+        </a:solidFill>
+        <a:gradFill rotWithShape="1">
+          <a:gsLst>
+            <a:gs pos="0">
+              <a:schemeClr val="phClr">
+                <a:tint val="93000"/>
+                <a:satMod val="150000"/>
+                <a:shade val="98000"/>
+                <a:lumMod val="102000"/>
+              </a:schemeClr>
+            </a:gs>
+            <a:gs pos="50000">
+              <a:schemeClr val="phClr">
+                <a:tint val="98000"/>
+                <a:satMod val="130000"/>
+                <a:shade val="90000"/>
+                <a:lumMod val="103000"/>
+              </a:schemeClr>
+            </a:gs>
+            <a:gs pos="100000">
+              <a:schemeClr val="phClr">
+                <a:shade val="63000"/>
+                <a:satMod val="120000"/>
+              </a:schemeClr>
+            </a:gs>
+          </a:gsLst>
+          <a:lin ang="5400000" scaled="0"/>
+        </a:gradFill>
+      </a:bgFillStyleLst>
+    </a:fmtScheme>
+  </a:themeElements>
+  <a:objectDefaults/>
+  <a:extraClrSchemeLst/>
+  <a:extLst>
+    <a:ext uri="{05A4C25C-085E-4340-85A3-A5531E510DB2}">
+      <thm15:themeFamily xmlns:thm15="http://schemas.microsoft.com/office/thememl/2012/main" name="Office Theme" id="{62F939B6-93AF-4DB8-9C6B-D6C7DFDC589F}" vid="{4A3C46E8-61CC-4603-A589-7422A47A8E4A}"/>
+    </a:ext>
+  </a:extLst>
+</a:theme>
 </file>
--- a/Drafts & Material/IDM Models + Notes.pptx
+++ b/Drafts & Material/IDM Models + Notes.pptx
@@ -9189,31 +9189,7 @@
               <a:rPr lang="en-US" sz="2000" dirty="0" smtClean="0">
                 <a:latin typeface="Cambria" panose="02040503050406030204" pitchFamily="18" charset="0"/>
               </a:rPr>
-              <a:t> are logically separated so that the user can find quickly the information (s)he needs; however it is possible to navigate directly from one to the other. They are not landmarks, since </a:t>
-            </a:r>
-            <a:r>
-              <a:rPr lang="en-US" sz="2000" dirty="0" smtClean="0">
-                <a:latin typeface="Cambria" panose="02040503050406030204" pitchFamily="18" charset="0"/>
-              </a:rPr>
-              <a:t>in our opinion they are </a:t>
-            </a:r>
-            <a:r>
-              <a:rPr lang="en-US" sz="2000" dirty="0" smtClean="0">
-                <a:latin typeface="Cambria" panose="02040503050406030204" pitchFamily="18" charset="0"/>
-              </a:rPr>
-              <a:t>not information that need to be </a:t>
-            </a:r>
-            <a:r>
-              <a:rPr lang="en-US" sz="2000" dirty="0" smtClean="0">
-                <a:latin typeface="Cambria" panose="02040503050406030204" pitchFamily="18" charset="0"/>
-              </a:rPr>
-              <a:t>accessible from </a:t>
-            </a:r>
-            <a:r>
-              <a:rPr lang="en-US" sz="2000" dirty="0" smtClean="0">
-                <a:latin typeface="Cambria" panose="02040503050406030204" pitchFamily="18" charset="0"/>
-              </a:rPr>
-              <a:t>any page.</a:t>
+              <a:t> are logically separated so that the user can find quickly the information (s)he needs; however it is possible to navigate directly from one to the other. They are not landmarks, since in our opinion they are not information that need to be accessible from any page.</a:t>
             </a:r>
           </a:p>
           <a:p>
@@ -9250,17 +9226,8 @@
               <a:rPr lang="en-US" sz="2000" dirty="0" smtClean="0">
                 <a:latin typeface="Cambria" panose="02040503050406030204" pitchFamily="18" charset="0"/>
               </a:rPr>
-              <a:t> the “Promotions” introductory page</a:t>
-            </a:r>
-            <a:r>
-              <a:rPr lang="en-US" sz="2000" dirty="0" smtClean="0">
-                <a:latin typeface="Cambria" panose="02040503050406030204" pitchFamily="18" charset="0"/>
-              </a:rPr>
-              <a:t>! This also allow to quickly see if a product is in promotion.</a:t>
-            </a:r>
-            <a:endParaRPr lang="en-US" sz="2000" dirty="0" smtClean="0">
-              <a:latin typeface="Cambria" panose="02040503050406030204" pitchFamily="18" charset="0"/>
-            </a:endParaRPr>
+              <a:t> the “Promotions” introductory page! This also allow to quickly see if a product is in promotion.</a:t>
+            </a:r>
           </a:p>
           <a:p>
             <a:endParaRPr lang="en-US" sz="2000" dirty="0" smtClean="0">
@@ -9470,19 +9437,7 @@
               <a:rPr lang="en-US" sz="2000" dirty="0" smtClean="0">
                 <a:latin typeface="Cambria" panose="02040503050406030204" pitchFamily="18" charset="0"/>
               </a:rPr>
-              <a:t>” pattern have been used in most cases, basically in all the occasion in which it had sense to be able to move between pages of the same group. Between “Promotions” and its specific </a:t>
-            </a:r>
-            <a:r>
-              <a:rPr lang="en-US" sz="2000" dirty="0" smtClean="0">
-                <a:latin typeface="Cambria" panose="02040503050406030204" pitchFamily="18" charset="0"/>
-              </a:rPr>
-              <a:t>instances (devices and/or SL in promotion) we </a:t>
-            </a:r>
-            <a:r>
-              <a:rPr lang="en-US" sz="2000" dirty="0" smtClean="0">
-                <a:latin typeface="Cambria" panose="02040503050406030204" pitchFamily="18" charset="0"/>
-              </a:rPr>
-              <a:t>have used the “</a:t>
+              <a:t>” pattern have been used in most cases, basically in all the occasion in which it had sense to be able to move between pages of the same group. Between “Promotions” and its specific instances (devices and/or SL in promotion) we have used the “</a:t>
             </a:r>
             <a:r>
               <a:rPr lang="en-US" sz="2000" b="1" dirty="0" smtClean="0">
@@ -9494,31 +9449,7 @@
               <a:rPr lang="en-US" sz="2000" dirty="0" smtClean="0">
                 <a:latin typeface="Cambria" panose="02040503050406030204" pitchFamily="18" charset="0"/>
               </a:rPr>
-              <a:t>” pattern, since there is no real correlation of </a:t>
-            </a:r>
-            <a:r>
-              <a:rPr lang="en-US" sz="2000" dirty="0" smtClean="0">
-                <a:latin typeface="Cambria" panose="02040503050406030204" pitchFamily="18" charset="0"/>
-              </a:rPr>
-              <a:t>specifications, characteristics </a:t>
-            </a:r>
-            <a:r>
-              <a:rPr lang="en-US" sz="2000" dirty="0" smtClean="0">
-                <a:latin typeface="Cambria" panose="02040503050406030204" pitchFamily="18" charset="0"/>
-              </a:rPr>
-              <a:t>and/or </a:t>
-            </a:r>
-            <a:r>
-              <a:rPr lang="en-US" sz="2000" dirty="0" smtClean="0">
-                <a:latin typeface="Cambria" panose="02040503050406030204" pitchFamily="18" charset="0"/>
-              </a:rPr>
-              <a:t>types </a:t>
-            </a:r>
-            <a:r>
-              <a:rPr lang="en-US" sz="2000" dirty="0" smtClean="0">
-                <a:latin typeface="Cambria" panose="02040503050406030204" pitchFamily="18" charset="0"/>
-              </a:rPr>
-              <a:t>among the set of things in promotion.</a:t>
+              <a:t>” pattern, since there is no real correlation of specifications, characteristics and/or types among the set of things in promotion.</a:t>
             </a:r>
           </a:p>
         </p:txBody>
@@ -9896,9 +9827,37 @@
           </a:p>
         </p:txBody>
       </p:sp>
+      <p:sp>
+        <p:nvSpPr>
+          <p:cNvPr id="6" name="Segnaposto piè di pagina 1"/>
+          <p:cNvSpPr>
+            <a:spLocks noGrp="1"/>
+          </p:cNvSpPr>
+          <p:nvPr>
+            <p:ph type="ftr" sz="quarter" idx="11"/>
+          </p:nvPr>
+        </p:nvSpPr>
+        <p:spPr>
+          <a:xfrm>
+            <a:off x="8077200" y="0"/>
+            <a:ext cx="4114800" cy="365125"/>
+          </a:xfrm>
+        </p:spPr>
+        <p:txBody>
+          <a:bodyPr/>
+          <a:lstStyle/>
+          <a:p>
+            <a:r>
+              <a:rPr lang="it-IT" dirty="0" smtClean="0"/>
+              <a:t>Alessandro Pozzi (852358), Marco Romani (852361)</a:t>
+            </a:r>
+            <a:endParaRPr lang="en-US" dirty="0"/>
+          </a:p>
+        </p:txBody>
+      </p:sp>
       <p:pic>
         <p:nvPicPr>
-          <p:cNvPr id="5" name="Immagine 4"/>
+          <p:cNvPr id="2" name="Immagine 1"/>
           <p:cNvPicPr>
             <a:picLocks noChangeAspect="1"/>
           </p:cNvPicPr>
@@ -9918,42 +9877,19 @@
         </p:blipFill>
         <p:spPr>
           <a:xfrm>
-            <a:off x="2275113" y="1147354"/>
-            <a:ext cx="7130144" cy="5347609"/>
+            <a:off x="2326741" y="1063781"/>
+            <a:ext cx="7544554" cy="5658416"/>
           </a:xfrm>
           <a:prstGeom prst="rect">
             <a:avLst/>
           </a:prstGeom>
+          <a:ln w="12700">
+            <a:solidFill>
+              <a:schemeClr val="tx1"/>
+            </a:solidFill>
+          </a:ln>
         </p:spPr>
       </p:pic>
-      <p:sp>
-        <p:nvSpPr>
-          <p:cNvPr id="6" name="Segnaposto piè di pagina 1"/>
-          <p:cNvSpPr>
-            <a:spLocks noGrp="1"/>
-          </p:cNvSpPr>
-          <p:nvPr>
-            <p:ph type="ftr" sz="quarter" idx="11"/>
-          </p:nvPr>
-        </p:nvSpPr>
-        <p:spPr>
-          <a:xfrm>
-            <a:off x="8077200" y="0"/>
-            <a:ext cx="4114800" cy="365125"/>
-          </a:xfrm>
-        </p:spPr>
-        <p:txBody>
-          <a:bodyPr/>
-          <a:lstStyle/>
-          <a:p>
-            <a:r>
-              <a:rPr lang="it-IT" dirty="0" smtClean="0"/>
-              <a:t>Alessandro Pozzi (852358), Marco Romani (852361)</a:t>
-            </a:r>
-            <a:endParaRPr lang="en-US" dirty="0"/>
-          </a:p>
-        </p:txBody>
-      </p:sp>
     </p:spTree>
     <p:extLst>
       <p:ext uri="{BB962C8B-B14F-4D97-AF65-F5344CB8AC3E}">
@@ -10420,13 +10356,7 @@
               <a:rPr lang="en-US" sz="2400" dirty="0" smtClean="0">
                 <a:latin typeface="Cambria" panose="02040503050406030204" pitchFamily="18" charset="0"/>
               </a:rPr>
-              <a:t>”,</a:t>
-            </a:r>
-            <a:r>
-              <a:rPr lang="en-US" sz="2400" dirty="0" smtClean="0">
-                <a:latin typeface="Cambria" panose="02040503050406030204" pitchFamily="18" charset="0"/>
-              </a:rPr>
-              <a:t> </a:t>
+              <a:t>”, </a:t>
             </a:r>
             <a:r>
               <a:rPr lang="en-US" sz="2400" dirty="0">
@@ -20977,13 +20907,7 @@
               <a:rPr lang="en-US" sz="2000" dirty="0" smtClean="0">
                 <a:latin typeface="Cambria" panose="02040503050406030204" pitchFamily="18" charset="0"/>
               </a:rPr>
-              <a:t>In particular, we wanted to give to the “News” section a more prominent role, as it will be shown in the next diagram</a:t>
-            </a:r>
-            <a:r>
-              <a:rPr lang="en-US" sz="2000" dirty="0" smtClean="0">
-                <a:latin typeface="Cambria" panose="02040503050406030204" pitchFamily="18" charset="0"/>
-              </a:rPr>
-              <a:t>.</a:t>
+              <a:t>In particular, we wanted to give to the “News” section a more prominent role, as it will be shown in the next diagram.</a:t>
             </a:r>
           </a:p>
           <a:p>
